--- a/portfolio/CampusMarket.pptx
+++ b/portfolio/CampusMarket.pptx
@@ -28,7 +28,7 @@
     <p:sldId id="276" r:id="rId22"/>
     <p:sldId id="277" r:id="rId23"/>
     <p:sldId id="278" r:id="rId24"/>
-    <p:sldId id="279" r:id="rId25"/>
+    <p:sldId id="282" r:id="rId25"/>
     <p:sldId id="280" r:id="rId26"/>
     <p:sldId id="281" r:id="rId27"/>
   </p:sldIdLst>
@@ -327,7 +327,7 @@
           <a:p>
             <a:fld id="{F8166F1F-CE9B-4651-A6AA-CD717754106B}" type="datetimeFigureOut">
               <a:rPr lang="en-US" smtClean="0"/>
-              <a:t>2/22/2023</a:t>
+              <a:t>3/6/2023</a:t>
             </a:fld>
             <a:endParaRPr lang="en-US"/>
           </a:p>
@@ -490,7 +490,7 @@
           <a:p>
             <a:fld id="{A76116CE-C4A3-4A05-B2D7-7C2E9A889C0F}" type="datetimeFigureOut">
               <a:rPr lang="en-US" smtClean="0"/>
-              <a:t>2/22/2023</a:t>
+              <a:t>3/6/2023</a:t>
             </a:fld>
             <a:endParaRPr lang="en-US"/>
           </a:p>
@@ -663,7 +663,7 @@
           <a:p>
             <a:fld id="{A76116CE-C4A3-4A05-B2D7-7C2E9A889C0F}" type="datetimeFigureOut">
               <a:rPr lang="en-US" smtClean="0"/>
-              <a:t>2/22/2023</a:t>
+              <a:t>3/6/2023</a:t>
             </a:fld>
             <a:endParaRPr lang="en-US"/>
           </a:p>
@@ -828,7 +828,7 @@
           <a:p>
             <a:fld id="{A76116CE-C4A3-4A05-B2D7-7C2E9A889C0F}" type="datetimeFigureOut">
               <a:rPr lang="en-US" smtClean="0"/>
-              <a:t>2/22/2023</a:t>
+              <a:t>3/6/2023</a:t>
             </a:fld>
             <a:endParaRPr lang="en-US"/>
           </a:p>
@@ -1068,7 +1068,7 @@
           <a:p>
             <a:fld id="{A76116CE-C4A3-4A05-B2D7-7C2E9A889C0F}" type="datetimeFigureOut">
               <a:rPr lang="en-US" smtClean="0"/>
-              <a:t>2/22/2023</a:t>
+              <a:t>3/6/2023</a:t>
             </a:fld>
             <a:endParaRPr lang="en-US"/>
           </a:p>
@@ -1348,7 +1348,7 @@
           <a:p>
             <a:fld id="{A76116CE-C4A3-4A05-B2D7-7C2E9A889C0F}" type="datetimeFigureOut">
               <a:rPr lang="en-US" smtClean="0"/>
-              <a:t>2/22/2023</a:t>
+              <a:t>3/6/2023</a:t>
             </a:fld>
             <a:endParaRPr lang="en-US"/>
           </a:p>
@@ -1762,7 +1762,7 @@
           <a:p>
             <a:fld id="{A76116CE-C4A3-4A05-B2D7-7C2E9A889C0F}" type="datetimeFigureOut">
               <a:rPr lang="en-US" smtClean="0"/>
-              <a:t>2/22/2023</a:t>
+              <a:t>3/6/2023</a:t>
             </a:fld>
             <a:endParaRPr lang="en-US"/>
           </a:p>
@@ -1874,7 +1874,7 @@
           <a:p>
             <a:fld id="{A76116CE-C4A3-4A05-B2D7-7C2E9A889C0F}" type="datetimeFigureOut">
               <a:rPr lang="en-US" smtClean="0"/>
-              <a:t>2/22/2023</a:t>
+              <a:t>3/6/2023</a:t>
             </a:fld>
             <a:endParaRPr lang="en-US"/>
           </a:p>
@@ -1964,7 +1964,7 @@
           <a:p>
             <a:fld id="{A76116CE-C4A3-4A05-B2D7-7C2E9A889C0F}" type="datetimeFigureOut">
               <a:rPr lang="en-US" smtClean="0"/>
-              <a:t>2/22/2023</a:t>
+              <a:t>3/6/2023</a:t>
             </a:fld>
             <a:endParaRPr lang="en-US"/>
           </a:p>
@@ -2234,7 +2234,7 @@
           <a:p>
             <a:fld id="{A76116CE-C4A3-4A05-B2D7-7C2E9A889C0F}" type="datetimeFigureOut">
               <a:rPr lang="en-US" smtClean="0"/>
-              <a:t>2/22/2023</a:t>
+              <a:t>3/6/2023</a:t>
             </a:fld>
             <a:endParaRPr lang="en-US"/>
           </a:p>
@@ -2481,7 +2481,7 @@
           <a:p>
             <a:fld id="{A76116CE-C4A3-4A05-B2D7-7C2E9A889C0F}" type="datetimeFigureOut">
               <a:rPr lang="en-US" smtClean="0"/>
-              <a:t>2/22/2023</a:t>
+              <a:t>3/6/2023</a:t>
             </a:fld>
             <a:endParaRPr lang="en-US"/>
           </a:p>
@@ -2687,7 +2687,7 @@
           <a:p>
             <a:fld id="{F8166F1F-CE9B-4651-A6AA-CD717754106B}" type="datetimeFigureOut">
               <a:rPr lang="en-US" smtClean="0"/>
-              <a:t>2/22/2023</a:t>
+              <a:t>3/6/2023</a:t>
             </a:fld>
             <a:endParaRPr lang="en-US"/>
           </a:p>
@@ -3802,6 +3802,45 @@
         </p:nvGrpSpPr>
         <p:grpSpPr>
           <a:xfrm>
+            <a:off x="624539" y="1680989"/>
+            <a:ext cx="3237719" cy="4698692"/>
+            <a:chOff x="624539" y="1680989"/>
+            <a:chExt cx="3237719" cy="4698692"/>
+          </a:xfrm>
+        </p:grpSpPr>
+        <p:pic>
+          <p:nvPicPr>
+            <p:cNvPr id="3" name="Object 2"/>
+            <p:cNvPicPr>
+              <a:picLocks noChangeAspect="1"/>
+            </p:cNvPicPr>
+            <p:nvPr/>
+          </p:nvPicPr>
+          <p:blipFill>
+            <a:blip r:embed="rId2" cstate="print"/>
+            <a:stretch>
+              <a:fillRect/>
+            </a:stretch>
+          </p:blipFill>
+          <p:spPr>
+            <a:xfrm>
+              <a:off x="624539" y="1680989"/>
+              <a:ext cx="3237719" cy="4698692"/>
+            </a:xfrm>
+            <a:prstGeom prst="rect">
+              <a:avLst/>
+            </a:prstGeom>
+          </p:spPr>
+        </p:pic>
+      </p:grpSp>
+      <p:grpSp>
+        <p:nvGrpSpPr>
+          <p:cNvPr id="1002" name="그룹 1002"/>
+          <p:cNvGrpSpPr/>
+          <p:nvPr/>
+        </p:nvGrpSpPr>
+        <p:grpSpPr>
+          <a:xfrm>
             <a:off x="577923" y="312230"/>
             <a:ext cx="10117315" cy="364298"/>
             <a:chOff x="577923" y="312230"/>
@@ -3810,14 +3849,14 @@
         </p:grpSpPr>
         <p:pic>
           <p:nvPicPr>
-            <p:cNvPr id="3" name="Object 2"/>
-            <p:cNvPicPr>
-              <a:picLocks noChangeAspect="1"/>
-            </p:cNvPicPr>
-            <p:nvPr/>
-          </p:nvPicPr>
-          <p:blipFill>
-            <a:blip r:embed="rId2" cstate="print"/>
+            <p:cNvPr id="6" name="Object 5"/>
+            <p:cNvPicPr>
+              <a:picLocks noChangeAspect="1"/>
+            </p:cNvPicPr>
+            <p:nvPr/>
+          </p:nvPicPr>
+          <p:blipFill>
+            <a:blip r:embed="rId3" cstate="print"/>
             <a:stretch>
               <a:fillRect/>
             </a:stretch>
@@ -3835,14 +3874,14 @@
       </p:grpSp>
       <p:pic>
         <p:nvPicPr>
-          <p:cNvPr id="5" name="Object 4"/>
+          <p:cNvPr id="8" name="Object 7"/>
           <p:cNvPicPr>
             <a:picLocks noChangeAspect="1"/>
           </p:cNvPicPr>
           <p:nvPr/>
         </p:nvPicPr>
         <p:blipFill>
-          <a:blip r:embed="rId3" cstate="print"/>
+          <a:blip r:embed="rId4" cstate="print"/>
           <a:stretch>
             <a:fillRect/>
           </a:stretch>
@@ -3859,7 +3898,7 @@
       </p:pic>
       <p:grpSp>
         <p:nvGrpSpPr>
-          <p:cNvPr id="1002" name="그룹 1002"/>
+          <p:cNvPr id="1003" name="그룹 1003"/>
           <p:cNvGrpSpPr/>
           <p:nvPr/>
         </p:nvGrpSpPr>
@@ -3873,14 +3912,14 @@
         </p:grpSpPr>
         <p:pic>
           <p:nvPicPr>
-            <p:cNvPr id="7" name="Object 6"/>
-            <p:cNvPicPr>
-              <a:picLocks noChangeAspect="1"/>
-            </p:cNvPicPr>
-            <p:nvPr/>
-          </p:nvPicPr>
-          <p:blipFill>
-            <a:blip r:embed="rId4" cstate="print"/>
+            <p:cNvPr id="10" name="Object 9"/>
+            <p:cNvPicPr>
+              <a:picLocks noChangeAspect="1"/>
+            </p:cNvPicPr>
+            <p:nvPr/>
+          </p:nvPicPr>
+          <p:blipFill>
+            <a:blip r:embed="rId5" cstate="print"/>
             <a:stretch>
               <a:fillRect/>
             </a:stretch>
@@ -3898,31 +3937,7 @@
       </p:grpSp>
       <p:pic>
         <p:nvPicPr>
-          <p:cNvPr id="9" name="Object 8"/>
-          <p:cNvPicPr>
-            <a:picLocks noChangeAspect="1"/>
-          </p:cNvPicPr>
-          <p:nvPr/>
-        </p:nvPicPr>
-        <p:blipFill>
-          <a:blip r:embed="rId5" cstate="print"/>
-          <a:stretch>
-            <a:fillRect/>
-          </a:stretch>
-        </p:blipFill>
-        <p:spPr>
-          <a:xfrm>
-            <a:off x="262694" y="333082"/>
-            <a:ext cx="352239" cy="110915"/>
-          </a:xfrm>
-          <a:prstGeom prst="rect">
-            <a:avLst/>
-          </a:prstGeom>
-        </p:spPr>
-      </p:pic>
-      <p:pic>
-        <p:nvPicPr>
-          <p:cNvPr id="10" name="Object 9"/>
+          <p:cNvPr id="12" name="Object 11"/>
           <p:cNvPicPr>
             <a:picLocks noChangeAspect="1"/>
           </p:cNvPicPr>
@@ -3936,8 +3951,8 @@
         </p:blipFill>
         <p:spPr>
           <a:xfrm>
-            <a:off x="290194" y="387862"/>
-            <a:ext cx="393755" cy="326136"/>
+            <a:off x="262694" y="333082"/>
+            <a:ext cx="352239" cy="110915"/>
           </a:xfrm>
           <a:prstGeom prst="rect">
             <a:avLst/>
@@ -3946,7 +3961,7 @@
       </p:pic>
       <p:pic>
         <p:nvPicPr>
-          <p:cNvPr id="11" name="Object 10"/>
+          <p:cNvPr id="13" name="Object 12"/>
           <p:cNvPicPr>
             <a:picLocks noChangeAspect="1"/>
           </p:cNvPicPr>
@@ -3960,296 +3975,32 @@
         </p:blipFill>
         <p:spPr>
           <a:xfrm>
-            <a:off x="378386" y="972792"/>
-            <a:ext cx="1120624" cy="491672"/>
+            <a:off x="290194" y="387862"/>
+            <a:ext cx="393755" cy="326136"/>
           </a:xfrm>
           <a:prstGeom prst="rect">
             <a:avLst/>
           </a:prstGeom>
         </p:spPr>
       </p:pic>
-      <p:grpSp>
-        <p:nvGrpSpPr>
-          <p:cNvPr id="1003" name="그룹 1003"/>
-          <p:cNvGrpSpPr/>
-          <p:nvPr/>
-        </p:nvGrpSpPr>
-        <p:grpSpPr>
-          <a:xfrm>
-            <a:off x="484097" y="1611924"/>
-            <a:ext cx="3790476" cy="5332059"/>
-            <a:chOff x="484097" y="1611924"/>
-            <a:chExt cx="3790476" cy="5332059"/>
-          </a:xfrm>
-        </p:grpSpPr>
-        <p:grpSp>
-          <p:nvGrpSpPr>
-            <p:cNvPr id="1004" name="그룹 1004"/>
-            <p:cNvGrpSpPr/>
-            <p:nvPr/>
-          </p:nvGrpSpPr>
-          <p:grpSpPr>
-            <a:xfrm>
-              <a:off x="493621" y="1611924"/>
-              <a:ext cx="3710699" cy="4714240"/>
-              <a:chOff x="493621" y="1611924"/>
-              <a:chExt cx="3710699" cy="4714240"/>
-            </a:xfrm>
-          </p:grpSpPr>
-          <p:grpSp>
-            <p:nvGrpSpPr>
-              <p:cNvPr id="1005" name="그룹 1005"/>
-              <p:cNvGrpSpPr/>
-              <p:nvPr/>
-            </p:nvGrpSpPr>
-            <p:grpSpPr>
-              <a:xfrm>
-                <a:off x="493621" y="1611924"/>
-                <a:ext cx="3675279" cy="1277159"/>
-                <a:chOff x="493621" y="1611924"/>
-                <a:chExt cx="3675279" cy="1277159"/>
-              </a:xfrm>
-            </p:grpSpPr>
-            <p:pic>
-              <p:nvPicPr>
-                <p:cNvPr id="15" name="Object 14"/>
-                <p:cNvPicPr>
-                  <a:picLocks noChangeAspect="1"/>
-                </p:cNvPicPr>
-                <p:nvPr/>
-              </p:nvPicPr>
-              <p:blipFill>
-                <a:blip r:embed="rId8" cstate="print"/>
-                <a:stretch>
-                  <a:fillRect/>
-                </a:stretch>
-              </p:blipFill>
-              <p:spPr>
-                <a:xfrm>
-                  <a:off x="493621" y="1611924"/>
-                  <a:ext cx="3675279" cy="1277159"/>
-                </a:xfrm>
-                <a:prstGeom prst="rect">
-                  <a:avLst/>
-                </a:prstGeom>
-              </p:spPr>
-            </p:pic>
-          </p:grpSp>
-          <p:grpSp>
-            <p:nvGrpSpPr>
-              <p:cNvPr id="1006" name="그룹 1006"/>
-              <p:cNvGrpSpPr/>
-              <p:nvPr/>
-            </p:nvGrpSpPr>
-            <p:grpSpPr>
-              <a:xfrm>
-                <a:off x="512700" y="2919942"/>
-                <a:ext cx="3675279" cy="1245001"/>
-                <a:chOff x="512700" y="2919942"/>
-                <a:chExt cx="3675279" cy="1245001"/>
-              </a:xfrm>
-            </p:grpSpPr>
-            <p:pic>
-              <p:nvPicPr>
-                <p:cNvPr id="18" name="Object 17"/>
-                <p:cNvPicPr>
-                  <a:picLocks noChangeAspect="1"/>
-                </p:cNvPicPr>
-                <p:nvPr/>
-              </p:nvPicPr>
-              <p:blipFill>
-                <a:blip r:embed="rId9" cstate="print"/>
-                <a:stretch>
-                  <a:fillRect/>
-                </a:stretch>
-              </p:blipFill>
-              <p:spPr>
-                <a:xfrm>
-                  <a:off x="512700" y="2919942"/>
-                  <a:ext cx="3675279" cy="1245001"/>
-                </a:xfrm>
-                <a:prstGeom prst="rect">
-                  <a:avLst/>
-                </a:prstGeom>
-              </p:spPr>
-            </p:pic>
-          </p:grpSp>
-          <p:grpSp>
-            <p:nvGrpSpPr>
-              <p:cNvPr id="1007" name="그룹 1007"/>
-              <p:cNvGrpSpPr/>
-              <p:nvPr/>
-            </p:nvGrpSpPr>
-            <p:grpSpPr>
-              <a:xfrm>
-                <a:off x="528130" y="4068619"/>
-                <a:ext cx="3675279" cy="1162307"/>
-                <a:chOff x="528130" y="4068619"/>
-                <a:chExt cx="3675279" cy="1162307"/>
-              </a:xfrm>
-            </p:grpSpPr>
-            <p:pic>
-              <p:nvPicPr>
-                <p:cNvPr id="21" name="Object 20"/>
-                <p:cNvPicPr>
-                  <a:picLocks noChangeAspect="1"/>
-                </p:cNvPicPr>
-                <p:nvPr/>
-              </p:nvPicPr>
-              <p:blipFill>
-                <a:blip r:embed="rId10" cstate="print"/>
-                <a:stretch>
-                  <a:fillRect/>
-                </a:stretch>
-              </p:blipFill>
-              <p:spPr>
-                <a:xfrm>
-                  <a:off x="528130" y="4068619"/>
-                  <a:ext cx="3675279" cy="1162307"/>
-                </a:xfrm>
-                <a:prstGeom prst="rect">
-                  <a:avLst/>
-                </a:prstGeom>
-              </p:spPr>
-            </p:pic>
-          </p:grpSp>
-          <p:grpSp>
-            <p:nvGrpSpPr>
-              <p:cNvPr id="1008" name="그룹 1008"/>
-              <p:cNvGrpSpPr/>
-              <p:nvPr/>
-            </p:nvGrpSpPr>
-            <p:grpSpPr>
-              <a:xfrm>
-                <a:off x="528130" y="5230926"/>
-                <a:ext cx="3675279" cy="1088801"/>
-                <a:chOff x="528130" y="5230926"/>
-                <a:chExt cx="3675279" cy="1088801"/>
-              </a:xfrm>
-            </p:grpSpPr>
-            <p:pic>
-              <p:nvPicPr>
-                <p:cNvPr id="24" name="Object 23"/>
-                <p:cNvPicPr>
-                  <a:picLocks noChangeAspect="1"/>
-                </p:cNvPicPr>
-                <p:nvPr/>
-              </p:nvPicPr>
-              <p:blipFill>
-                <a:blip r:embed="rId11" cstate="print"/>
-                <a:stretch>
-                  <a:fillRect/>
-                </a:stretch>
-              </p:blipFill>
-              <p:spPr>
-                <a:xfrm>
-                  <a:off x="528130" y="5230926"/>
-                  <a:ext cx="3675279" cy="1088801"/>
-                </a:xfrm>
-                <a:prstGeom prst="rect">
-                  <a:avLst/>
-                </a:prstGeom>
-              </p:spPr>
-            </p:pic>
-          </p:grpSp>
-        </p:grpSp>
-        <p:grpSp>
-          <p:nvGrpSpPr>
-            <p:cNvPr id="1009" name="그룹 1009"/>
-            <p:cNvGrpSpPr/>
-            <p:nvPr/>
-          </p:nvGrpSpPr>
-          <p:grpSpPr>
-            <a:xfrm>
-              <a:off x="484097" y="6477317"/>
-              <a:ext cx="3784031" cy="458814"/>
-              <a:chOff x="484097" y="6477317"/>
-              <a:chExt cx="3784031" cy="458814"/>
-            </a:xfrm>
-          </p:grpSpPr>
-          <p:pic>
-            <p:nvPicPr>
-              <p:cNvPr id="28" name="Object 27"/>
-              <p:cNvPicPr>
-                <a:picLocks noChangeAspect="1"/>
-              </p:cNvPicPr>
-              <p:nvPr/>
-            </p:nvPicPr>
-            <p:blipFill>
-              <a:blip r:embed="rId12" cstate="print"/>
-              <a:stretch>
-                <a:fillRect/>
-              </a:stretch>
-            </p:blipFill>
-            <p:spPr>
-              <a:xfrm>
-                <a:off x="484097" y="6477317"/>
-                <a:ext cx="3784031" cy="458814"/>
-              </a:xfrm>
-              <a:prstGeom prst="rect">
-                <a:avLst/>
-              </a:prstGeom>
-            </p:spPr>
-          </p:pic>
-        </p:grpSp>
-      </p:grpSp>
-      <p:grpSp>
-        <p:nvGrpSpPr>
-          <p:cNvPr id="1010" name="그룹 1010"/>
-          <p:cNvGrpSpPr/>
-          <p:nvPr/>
-        </p:nvGrpSpPr>
-        <p:grpSpPr>
-          <a:xfrm>
-            <a:off x="577923" y="5180952"/>
-            <a:ext cx="3591785" cy="1247619"/>
-            <a:chOff x="577923" y="5180952"/>
-            <a:chExt cx="3591785" cy="1247619"/>
-          </a:xfrm>
-        </p:grpSpPr>
-        <p:pic>
-          <p:nvPicPr>
-            <p:cNvPr id="32" name="Object 31"/>
-            <p:cNvPicPr>
-              <a:picLocks noChangeAspect="1"/>
-            </p:cNvPicPr>
-            <p:nvPr/>
-          </p:nvPicPr>
-          <p:blipFill>
-            <a:blip r:embed="rId13" cstate="print"/>
-            <a:stretch>
-              <a:fillRect/>
-            </a:stretch>
-          </p:blipFill>
-          <p:spPr>
-            <a:xfrm>
-              <a:off x="577923" y="5180952"/>
-              <a:ext cx="3591785" cy="1247619"/>
-            </a:xfrm>
-            <a:prstGeom prst="rect">
-              <a:avLst/>
-            </a:prstGeom>
-          </p:spPr>
-        </p:pic>
-      </p:grpSp>
       <p:pic>
         <p:nvPicPr>
-          <p:cNvPr id="34" name="Object 33"/>
+          <p:cNvPr id="14" name="Object 13"/>
           <p:cNvPicPr>
             <a:picLocks noChangeAspect="1"/>
           </p:cNvPicPr>
           <p:nvPr/>
         </p:nvPicPr>
         <p:blipFill>
-          <a:blip r:embed="rId14" cstate="print"/>
+          <a:blip r:embed="rId8" cstate="print"/>
           <a:stretch>
             <a:fillRect/>
           </a:stretch>
         </p:blipFill>
         <p:spPr>
           <a:xfrm>
-            <a:off x="5134932" y="4003669"/>
-            <a:ext cx="3505521" cy="571369"/>
+            <a:off x="378386" y="972792"/>
+            <a:ext cx="1120624" cy="491672"/>
           </a:xfrm>
           <a:prstGeom prst="rect">
             <a:avLst/>
@@ -4258,7 +4009,70 @@
       </p:pic>
       <p:grpSp>
         <p:nvGrpSpPr>
-          <p:cNvPr id="1011" name="그룹 1011"/>
+          <p:cNvPr id="1004" name="그룹 1004"/>
+          <p:cNvGrpSpPr/>
+          <p:nvPr/>
+        </p:nvGrpSpPr>
+        <p:grpSpPr>
+          <a:xfrm>
+            <a:off x="556639" y="4933442"/>
+            <a:ext cx="3373518" cy="1171803"/>
+            <a:chOff x="556639" y="4933442"/>
+            <a:chExt cx="3373518" cy="1171803"/>
+          </a:xfrm>
+        </p:grpSpPr>
+        <p:pic>
+          <p:nvPicPr>
+            <p:cNvPr id="16" name="Object 15"/>
+            <p:cNvPicPr>
+              <a:picLocks noChangeAspect="1"/>
+            </p:cNvPicPr>
+            <p:nvPr/>
+          </p:nvPicPr>
+          <p:blipFill>
+            <a:blip r:embed="rId9" cstate="print"/>
+            <a:stretch>
+              <a:fillRect/>
+            </a:stretch>
+          </p:blipFill>
+          <p:spPr>
+            <a:xfrm>
+              <a:off x="556639" y="4933442"/>
+              <a:ext cx="3373518" cy="1171803"/>
+            </a:xfrm>
+            <a:prstGeom prst="rect">
+              <a:avLst/>
+            </a:prstGeom>
+          </p:spPr>
+        </p:pic>
+      </p:grpSp>
+      <p:pic>
+        <p:nvPicPr>
+          <p:cNvPr id="18" name="Object 17"/>
+          <p:cNvPicPr>
+            <a:picLocks noChangeAspect="1"/>
+          </p:cNvPicPr>
+          <p:nvPr/>
+        </p:nvPicPr>
+        <p:blipFill>
+          <a:blip r:embed="rId10" cstate="print"/>
+          <a:stretch>
+            <a:fillRect/>
+          </a:stretch>
+        </p:blipFill>
+        <p:spPr>
+          <a:xfrm>
+            <a:off x="5134932" y="4003669"/>
+            <a:ext cx="3505521" cy="571369"/>
+          </a:xfrm>
+          <a:prstGeom prst="rect">
+            <a:avLst/>
+          </a:prstGeom>
+        </p:spPr>
+      </p:pic>
+      <p:grpSp>
+        <p:nvGrpSpPr>
+          <p:cNvPr id="1005" name="그룹 1005"/>
           <p:cNvGrpSpPr/>
           <p:nvPr/>
         </p:nvGrpSpPr>
@@ -4272,14 +4086,14 @@
         </p:grpSpPr>
         <p:pic>
           <p:nvPicPr>
-            <p:cNvPr id="36" name="Object 35"/>
-            <p:cNvPicPr>
-              <a:picLocks noChangeAspect="1"/>
-            </p:cNvPicPr>
-            <p:nvPr/>
-          </p:nvPicPr>
-          <p:blipFill>
-            <a:blip r:embed="rId15" cstate="print"/>
+            <p:cNvPr id="20" name="Object 19"/>
+            <p:cNvPicPr>
+              <a:picLocks noChangeAspect="1"/>
+            </p:cNvPicPr>
+            <p:nvPr/>
+          </p:nvPicPr>
+          <p:blipFill>
+            <a:blip r:embed="rId11" cstate="print"/>
             <a:stretch>
               <a:fillRect/>
             </a:stretch>
@@ -4297,14 +4111,14 @@
       </p:grpSp>
       <p:pic>
         <p:nvPicPr>
-          <p:cNvPr id="38" name="Object 37"/>
+          <p:cNvPr id="22" name="Object 21"/>
           <p:cNvPicPr>
             <a:picLocks noChangeAspect="1"/>
           </p:cNvPicPr>
           <p:nvPr/>
         </p:nvPicPr>
         <p:blipFill>
-          <a:blip r:embed="rId16" cstate="print"/>
+          <a:blip r:embed="rId12" cstate="print"/>
           <a:stretch>
             <a:fillRect/>
           </a:stretch>
@@ -4321,7 +4135,7 @@
       </p:pic>
       <p:grpSp>
         <p:nvGrpSpPr>
-          <p:cNvPr id="1012" name="그룹 1012"/>
+          <p:cNvPr id="1006" name="그룹 1006"/>
           <p:cNvGrpSpPr/>
           <p:nvPr/>
         </p:nvGrpSpPr>
@@ -4335,14 +4149,14 @@
         </p:grpSpPr>
         <p:pic>
           <p:nvPicPr>
-            <p:cNvPr id="40" name="Object 39"/>
-            <p:cNvPicPr>
-              <a:picLocks noChangeAspect="1"/>
-            </p:cNvPicPr>
-            <p:nvPr/>
-          </p:nvPicPr>
-          <p:blipFill>
-            <a:blip r:embed="rId15" cstate="print"/>
+            <p:cNvPr id="24" name="Object 23"/>
+            <p:cNvPicPr>
+              <a:picLocks noChangeAspect="1"/>
+            </p:cNvPicPr>
+            <p:nvPr/>
+          </p:nvPicPr>
+          <p:blipFill>
+            <a:blip r:embed="rId11" cstate="print"/>
             <a:stretch>
               <a:fillRect/>
             </a:stretch>
@@ -4360,7 +4174,7 @@
       </p:grpSp>
       <p:grpSp>
         <p:nvGrpSpPr>
-          <p:cNvPr id="1013" name="그룹 1013"/>
+          <p:cNvPr id="1007" name="그룹 1007"/>
           <p:cNvGrpSpPr/>
           <p:nvPr/>
         </p:nvGrpSpPr>
@@ -4374,14 +4188,14 @@
         </p:grpSpPr>
         <p:pic>
           <p:nvPicPr>
-            <p:cNvPr id="43" name="Object 42"/>
-            <p:cNvPicPr>
-              <a:picLocks noChangeAspect="1"/>
-            </p:cNvPicPr>
-            <p:nvPr/>
-          </p:nvPicPr>
-          <p:blipFill>
-            <a:blip r:embed="rId17" cstate="print"/>
+            <p:cNvPr id="27" name="Object 26"/>
+            <p:cNvPicPr>
+              <a:picLocks noChangeAspect="1"/>
+            </p:cNvPicPr>
+            <p:nvPr/>
+          </p:nvPicPr>
+          <p:blipFill>
+            <a:blip r:embed="rId13" cstate="print"/>
             <a:stretch>
               <a:fillRect/>
             </a:stretch>
@@ -4737,8 +4551,8 @@
         </p:blipFill>
         <p:spPr>
           <a:xfrm>
-            <a:off x="431681" y="1702915"/>
-            <a:ext cx="3009178" cy="365292"/>
+            <a:off x="389814" y="1720391"/>
+            <a:ext cx="2633778" cy="654055"/>
           </a:xfrm>
           <a:prstGeom prst="rect">
             <a:avLst/>
@@ -5042,114 +4856,6 @@
           </p:spPr>
         </p:pic>
       </p:grpSp>
-      <p:sp>
-        <p:nvSpPr>
-          <p:cNvPr id="2" name="직사각형 1">
-            <a:extLst>
-              <a:ext uri="{FF2B5EF4-FFF2-40B4-BE49-F238E27FC236}">
-                <a16:creationId xmlns:a16="http://schemas.microsoft.com/office/drawing/2014/main" id="{0027809D-7A01-48CE-950C-3F8E29CEB92D}"/>
-              </a:ext>
-            </a:extLst>
-          </p:cNvPr>
-          <p:cNvSpPr/>
-          <p:nvPr/>
-        </p:nvSpPr>
-        <p:spPr>
-          <a:xfrm>
-            <a:off x="7253287" y="2790825"/>
-            <a:ext cx="818952" cy="256352"/>
-          </a:xfrm>
-          <a:prstGeom prst="rect">
-            <a:avLst/>
-          </a:prstGeom>
-          <a:solidFill>
-            <a:schemeClr val="bg1"/>
-          </a:solidFill>
-          <a:ln>
-            <a:solidFill>
-              <a:schemeClr val="bg1"/>
-            </a:solidFill>
-          </a:ln>
-        </p:spPr>
-        <p:style>
-          <a:lnRef idx="2">
-            <a:schemeClr val="accent1">
-              <a:shade val="50000"/>
-            </a:schemeClr>
-          </a:lnRef>
-          <a:fillRef idx="1">
-            <a:schemeClr val="accent1"/>
-          </a:fillRef>
-          <a:effectRef idx="0">
-            <a:schemeClr val="accent1"/>
-          </a:effectRef>
-          <a:fontRef idx="minor">
-            <a:schemeClr val="lt1"/>
-          </a:fontRef>
-        </p:style>
-        <p:txBody>
-          <a:bodyPr rtlCol="0" anchor="ctr"/>
-          <a:lstStyle/>
-          <a:p>
-            <a:pPr algn="ctr"/>
-            <a:endParaRPr lang="ko-KR" altLang="en-US"/>
-          </a:p>
-        </p:txBody>
-      </p:sp>
-      <p:sp>
-        <p:nvSpPr>
-          <p:cNvPr id="34" name="직사각형 33">
-            <a:extLst>
-              <a:ext uri="{FF2B5EF4-FFF2-40B4-BE49-F238E27FC236}">
-                <a16:creationId xmlns:a16="http://schemas.microsoft.com/office/drawing/2014/main" id="{A4D2F413-EB94-4FEB-A7FD-96209A9067B0}"/>
-              </a:ext>
-            </a:extLst>
-          </p:cNvPr>
-          <p:cNvSpPr/>
-          <p:nvPr/>
-        </p:nvSpPr>
-        <p:spPr>
-          <a:xfrm>
-            <a:off x="5728009" y="3509371"/>
-            <a:ext cx="763278" cy="195854"/>
-          </a:xfrm>
-          <a:prstGeom prst="rect">
-            <a:avLst/>
-          </a:prstGeom>
-          <a:solidFill>
-            <a:schemeClr val="bg1"/>
-          </a:solidFill>
-          <a:ln>
-            <a:solidFill>
-              <a:schemeClr val="bg1"/>
-            </a:solidFill>
-          </a:ln>
-        </p:spPr>
-        <p:style>
-          <a:lnRef idx="2">
-            <a:schemeClr val="accent1">
-              <a:shade val="50000"/>
-            </a:schemeClr>
-          </a:lnRef>
-          <a:fillRef idx="1">
-            <a:schemeClr val="accent1"/>
-          </a:fillRef>
-          <a:effectRef idx="0">
-            <a:schemeClr val="accent1"/>
-          </a:effectRef>
-          <a:fontRef idx="minor">
-            <a:schemeClr val="lt1"/>
-          </a:fontRef>
-        </p:style>
-        <p:txBody>
-          <a:bodyPr rtlCol="0" anchor="ctr"/>
-          <a:lstStyle/>
-          <a:p>
-            <a:pPr algn="ctr"/>
-            <a:endParaRPr lang="ko-KR" altLang="en-US"/>
-          </a:p>
-        </p:txBody>
-      </p:sp>
     </p:spTree>
   </p:cSld>
   <p:clrMapOvr>
@@ -5959,7 +5665,7 @@
         <p:spPr>
           <a:xfrm>
             <a:off x="5509905" y="6448210"/>
-            <a:ext cx="4317655" cy="563321"/>
+            <a:ext cx="4316740" cy="562160"/>
           </a:xfrm>
           <a:prstGeom prst="rect">
             <a:avLst/>
@@ -7681,7 +7387,7 @@
         <p:spPr>
           <a:xfrm>
             <a:off x="848271" y="6975505"/>
-            <a:ext cx="6282645" cy="319969"/>
+            <a:ext cx="5953312" cy="321636"/>
           </a:xfrm>
           <a:prstGeom prst="rect">
             <a:avLst/>
@@ -10260,8 +9966,8 @@
         </p:blipFill>
         <p:spPr>
           <a:xfrm>
-            <a:off x="1294194" y="5153280"/>
-            <a:ext cx="1747517" cy="640031"/>
+            <a:off x="1294195" y="5153280"/>
+            <a:ext cx="1618869" cy="640031"/>
           </a:xfrm>
           <a:prstGeom prst="rect">
             <a:avLst/>
@@ -13473,15 +13179,7 @@
 
 <file path=ppt/slides/slide24.xml><?xml version="1.0" encoding="utf-8"?>
 <p:sld xmlns:a="http://schemas.openxmlformats.org/drawingml/2006/main" xmlns:r="http://schemas.openxmlformats.org/officeDocument/2006/relationships" xmlns:p="http://schemas.openxmlformats.org/presentationml/2006/main">
-  <p:cSld name="Slide 24">
-    <p:bg>
-      <p:bgPr>
-        <a:solidFill>
-          <a:srgbClr val="FFFFFF"/>
-        </a:solidFill>
-        <a:effectLst/>
-      </p:bgPr>
-    </p:bg>
+  <p:cSld>
     <p:spTree>
       <p:nvGrpSpPr>
         <p:cNvPr id="1" name=""/>
@@ -14270,8 +13968,8 @@
         </p:blipFill>
         <p:spPr>
           <a:xfrm>
-            <a:off x="4524462" y="2088939"/>
-            <a:ext cx="4261388" cy="907912"/>
+            <a:off x="4514934" y="2088943"/>
+            <a:ext cx="4606655" cy="857302"/>
           </a:xfrm>
           <a:prstGeom prst="rect">
             <a:avLst/>
@@ -14357,8 +14055,8 @@
         </p:blipFill>
         <p:spPr>
           <a:xfrm>
-            <a:off x="4541210" y="3741768"/>
-            <a:ext cx="5479778" cy="1129178"/>
+            <a:off x="4550734" y="3741772"/>
+            <a:ext cx="5519874" cy="1146083"/>
           </a:xfrm>
           <a:prstGeom prst="rect">
             <a:avLst/>
@@ -14483,8 +14181,8 @@
         </p:blipFill>
         <p:spPr>
           <a:xfrm>
-            <a:off x="4604434" y="5780827"/>
-            <a:ext cx="5814778" cy="560940"/>
+            <a:off x="4594915" y="5780829"/>
+            <a:ext cx="4553998" cy="857302"/>
           </a:xfrm>
           <a:prstGeom prst="rect">
             <a:avLst/>
@@ -14999,8 +14697,8 @@
         </p:blipFill>
         <p:spPr>
           <a:xfrm>
-            <a:off x="6207741" y="3734074"/>
-            <a:ext cx="4059493" cy="293007"/>
+            <a:off x="6211553" y="3585505"/>
+            <a:ext cx="3996093" cy="488893"/>
           </a:xfrm>
           <a:prstGeom prst="rect">
             <a:avLst/>
@@ -15361,48 +15059,33 @@
           </a:prstGeom>
         </p:spPr>
       </p:pic>
-      <p:grpSp>
-        <p:nvGrpSpPr>
-          <p:cNvPr id="1009" name="그룹 1009"/>
-          <p:cNvGrpSpPr/>
-          <p:nvPr/>
-        </p:nvGrpSpPr>
-        <p:grpSpPr>
-          <a:xfrm>
-            <a:off x="448861" y="2749356"/>
-            <a:ext cx="4537143" cy="3106642"/>
-            <a:chOff x="448861" y="2749356"/>
-            <a:chExt cx="4537143" cy="3106642"/>
-          </a:xfrm>
-        </p:grpSpPr>
-        <p:pic>
-          <p:nvPicPr>
-            <p:cNvPr id="34" name="Object 33"/>
-            <p:cNvPicPr>
-              <a:picLocks noChangeAspect="1"/>
-            </p:cNvPicPr>
-            <p:nvPr/>
-          </p:nvPicPr>
-          <p:blipFill>
-            <a:blip r:embed="rId16" cstate="print"/>
-            <a:stretch>
-              <a:fillRect/>
-            </a:stretch>
-          </p:blipFill>
-          <p:spPr>
-            <a:xfrm>
-              <a:off x="448861" y="2749356"/>
-              <a:ext cx="4537143" cy="3106642"/>
-            </a:xfrm>
-            <a:prstGeom prst="rect">
-              <a:avLst/>
-            </a:prstGeom>
-          </p:spPr>
-        </p:pic>
-      </p:grpSp>
       <p:pic>
         <p:nvPicPr>
-          <p:cNvPr id="36" name="Object 35"/>
+          <p:cNvPr id="33" name="Object 32"/>
+          <p:cNvPicPr>
+            <a:picLocks noChangeAspect="1"/>
+          </p:cNvPicPr>
+          <p:nvPr/>
+        </p:nvPicPr>
+        <p:blipFill>
+          <a:blip r:embed="rId16" cstate="print"/>
+          <a:stretch>
+            <a:fillRect/>
+          </a:stretch>
+        </p:blipFill>
+        <p:spPr>
+          <a:xfrm>
+            <a:off x="290642" y="1883543"/>
+            <a:ext cx="4840300" cy="597728"/>
+          </a:xfrm>
+          <a:prstGeom prst="rect">
+            <a:avLst/>
+          </a:prstGeom>
+        </p:spPr>
+      </p:pic>
+      <p:pic>
+        <p:nvPicPr>
+          <p:cNvPr id="34" name="Object 33"/>
           <p:cNvPicPr>
             <a:picLocks noChangeAspect="1"/>
           </p:cNvPicPr>
@@ -15416,8 +15099,8 @@
         </p:blipFill>
         <p:spPr>
           <a:xfrm>
-            <a:off x="290642" y="1883543"/>
-            <a:ext cx="4840300" cy="597728"/>
+            <a:off x="6128496" y="5594925"/>
+            <a:ext cx="1051139" cy="358568"/>
           </a:xfrm>
           <a:prstGeom prst="rect">
             <a:avLst/>
@@ -15426,7 +15109,7 @@
       </p:pic>
       <p:pic>
         <p:nvPicPr>
-          <p:cNvPr id="37" name="Object 36"/>
+          <p:cNvPr id="35" name="Object 34"/>
           <p:cNvPicPr>
             <a:picLocks noChangeAspect="1"/>
           </p:cNvPicPr>
@@ -15440,8 +15123,8 @@
         </p:blipFill>
         <p:spPr>
           <a:xfrm>
-            <a:off x="6128496" y="5594925"/>
-            <a:ext cx="1051139" cy="358568"/>
+            <a:off x="6145639" y="6046563"/>
+            <a:ext cx="401445" cy="359988"/>
           </a:xfrm>
           <a:prstGeom prst="rect">
             <a:avLst/>
@@ -15450,7 +15133,7 @@
       </p:pic>
       <p:pic>
         <p:nvPicPr>
-          <p:cNvPr id="38" name="Object 37"/>
+          <p:cNvPr id="36" name="Object 35"/>
           <p:cNvPicPr>
             <a:picLocks noChangeAspect="1"/>
           </p:cNvPicPr>
@@ -15464,41 +15147,17 @@
         </p:blipFill>
         <p:spPr>
           <a:xfrm>
-            <a:off x="6145639" y="6046563"/>
-            <a:ext cx="401445" cy="359988"/>
+            <a:off x="6236782" y="2705210"/>
+            <a:ext cx="3459626" cy="732683"/>
           </a:xfrm>
           <a:prstGeom prst="rect">
             <a:avLst/>
           </a:prstGeom>
         </p:spPr>
       </p:pic>
-      <p:pic>
-        <p:nvPicPr>
-          <p:cNvPr id="39" name="Object 38"/>
-          <p:cNvPicPr>
-            <a:picLocks noChangeAspect="1"/>
-          </p:cNvPicPr>
-          <p:nvPr/>
-        </p:nvPicPr>
-        <p:blipFill>
-          <a:blip r:embed="rId20" cstate="print"/>
-          <a:stretch>
-            <a:fillRect/>
-          </a:stretch>
-        </p:blipFill>
-        <p:spPr>
-          <a:xfrm>
-            <a:off x="6232972" y="2701401"/>
-            <a:ext cx="4021359" cy="861740"/>
-          </a:xfrm>
-          <a:prstGeom prst="rect">
-            <a:avLst/>
-          </a:prstGeom>
-        </p:spPr>
-      </p:pic>
-      <p:grpSp>
-        <p:nvGrpSpPr>
-          <p:cNvPr id="1010" name="그룹 1010"/>
+      <p:grpSp>
+        <p:nvGrpSpPr>
+          <p:cNvPr id="1009" name="그룹 1009"/>
           <p:cNvGrpSpPr/>
           <p:nvPr/>
         </p:nvGrpSpPr>
@@ -15512,14 +15171,14 @@
         </p:grpSpPr>
         <p:pic>
           <p:nvPicPr>
-            <p:cNvPr id="41" name="Object 40"/>
-            <p:cNvPicPr>
-              <a:picLocks noChangeAspect="1"/>
-            </p:cNvPicPr>
-            <p:nvPr/>
-          </p:nvPicPr>
-          <p:blipFill>
-            <a:blip r:embed="rId21" cstate="print"/>
+            <p:cNvPr id="38" name="Object 37"/>
+            <p:cNvPicPr>
+              <a:picLocks noChangeAspect="1"/>
+            </p:cNvPicPr>
+            <p:nvPr/>
+          </p:nvPicPr>
+          <p:blipFill>
+            <a:blip r:embed="rId20" cstate="print"/>
             <a:stretch>
               <a:fillRect/>
             </a:stretch>
@@ -15537,16 +15196,55 @@
       </p:grpSp>
       <p:grpSp>
         <p:nvGrpSpPr>
+          <p:cNvPr id="1010" name="그룹 1010"/>
+          <p:cNvGrpSpPr/>
+          <p:nvPr/>
+        </p:nvGrpSpPr>
+        <p:grpSpPr>
+          <a:xfrm>
+            <a:off x="6087279" y="3630034"/>
+            <a:ext cx="130411" cy="130409"/>
+            <a:chOff x="6087279" y="3630034"/>
+            <a:chExt cx="130411" cy="130409"/>
+          </a:xfrm>
+        </p:grpSpPr>
+        <p:pic>
+          <p:nvPicPr>
+            <p:cNvPr id="41" name="Object 40"/>
+            <p:cNvPicPr>
+              <a:picLocks noChangeAspect="1"/>
+            </p:cNvPicPr>
+            <p:nvPr/>
+          </p:nvPicPr>
+          <p:blipFill>
+            <a:blip r:embed="rId20" cstate="print"/>
+            <a:stretch>
+              <a:fillRect/>
+            </a:stretch>
+          </p:blipFill>
+          <p:spPr>
+            <a:xfrm>
+              <a:off x="6087279" y="3630034"/>
+              <a:ext cx="130411" cy="130409"/>
+            </a:xfrm>
+            <a:prstGeom prst="rect">
+              <a:avLst/>
+            </a:prstGeom>
+          </p:spPr>
+        </p:pic>
+      </p:grpSp>
+      <p:grpSp>
+        <p:nvGrpSpPr>
           <p:cNvPr id="1011" name="그룹 1011"/>
           <p:cNvGrpSpPr/>
           <p:nvPr/>
         </p:nvGrpSpPr>
         <p:grpSpPr>
           <a:xfrm>
-            <a:off x="6087279" y="3801462"/>
-            <a:ext cx="130411" cy="130409"/>
-            <a:chOff x="6087279" y="3801462"/>
-            <a:chExt cx="130411" cy="130409"/>
+            <a:off x="448861" y="2632831"/>
+            <a:ext cx="4537143" cy="3273901"/>
+            <a:chOff x="448861" y="2632831"/>
+            <a:chExt cx="4537143" cy="3273901"/>
           </a:xfrm>
         </p:grpSpPr>
         <p:pic>
@@ -15565,8 +15263,8 @@
           </p:blipFill>
           <p:spPr>
             <a:xfrm>
-              <a:off x="6087279" y="3801462"/>
-              <a:ext cx="130411" cy="130409"/>
+              <a:off x="448861" y="2632831"/>
+              <a:ext cx="4537143" cy="3273901"/>
             </a:xfrm>
             <a:prstGeom prst="rect">
               <a:avLst/>
@@ -17805,9 +17503,9 @@
         </p:nvGrpSpPr>
         <p:grpSpPr>
           <a:xfrm>
-            <a:off x="1191337" y="7013286"/>
+            <a:off x="1191337" y="6918048"/>
             <a:ext cx="269803" cy="272955"/>
-            <a:chOff x="1191337" y="7013286"/>
+            <a:chOff x="1191337" y="6918048"/>
             <a:chExt cx="269803" cy="272955"/>
           </a:xfrm>
         </p:grpSpPr>
@@ -17827,7 +17525,7 @@
           </p:blipFill>
           <p:spPr>
             <a:xfrm>
-              <a:off x="1191337" y="7013286"/>
+              <a:off x="1191337" y="6918048"/>
               <a:ext cx="269803" cy="272955"/>
             </a:xfrm>
             <a:prstGeom prst="rect">
@@ -17852,8 +17550,8 @@
         </p:blipFill>
         <p:spPr>
           <a:xfrm>
-            <a:off x="1484448" y="6239896"/>
-            <a:ext cx="7098864" cy="365292"/>
+            <a:off x="1554924" y="6243705"/>
+            <a:ext cx="7039569" cy="604731"/>
           </a:xfrm>
           <a:prstGeom prst="rect">
             <a:avLst/>
@@ -17876,8 +17574,8 @@
         </p:blipFill>
         <p:spPr>
           <a:xfrm>
-            <a:off x="1495039" y="6963763"/>
-            <a:ext cx="7297244" cy="365292"/>
+            <a:off x="1508372" y="6872039"/>
+            <a:ext cx="6791045" cy="573864"/>
           </a:xfrm>
           <a:prstGeom prst="rect">
             <a:avLst/>

--- a/portfolio/CampusMarket.pptx
+++ b/portfolio/CampusMarket.pptx
@@ -28,7 +28,7 @@
     <p:sldId id="276" r:id="rId22"/>
     <p:sldId id="277" r:id="rId23"/>
     <p:sldId id="278" r:id="rId24"/>
-    <p:sldId id="282" r:id="rId25"/>
+    <p:sldId id="279" r:id="rId25"/>
     <p:sldId id="280" r:id="rId26"/>
     <p:sldId id="281" r:id="rId27"/>
   </p:sldIdLst>
@@ -327,7 +327,7 @@
           <a:p>
             <a:fld id="{F8166F1F-CE9B-4651-A6AA-CD717754106B}" type="datetimeFigureOut">
               <a:rPr lang="en-US" smtClean="0"/>
-              <a:t>3/6/2023</a:t>
+              <a:t>3/24/2023</a:t>
             </a:fld>
             <a:endParaRPr lang="en-US"/>
           </a:p>
@@ -490,7 +490,7 @@
           <a:p>
             <a:fld id="{A76116CE-C4A3-4A05-B2D7-7C2E9A889C0F}" type="datetimeFigureOut">
               <a:rPr lang="en-US" smtClean="0"/>
-              <a:t>3/6/2023</a:t>
+              <a:t>3/24/2023</a:t>
             </a:fld>
             <a:endParaRPr lang="en-US"/>
           </a:p>
@@ -663,7 +663,7 @@
           <a:p>
             <a:fld id="{A76116CE-C4A3-4A05-B2D7-7C2E9A889C0F}" type="datetimeFigureOut">
               <a:rPr lang="en-US" smtClean="0"/>
-              <a:t>3/6/2023</a:t>
+              <a:t>3/24/2023</a:t>
             </a:fld>
             <a:endParaRPr lang="en-US"/>
           </a:p>
@@ -828,7 +828,7 @@
           <a:p>
             <a:fld id="{A76116CE-C4A3-4A05-B2D7-7C2E9A889C0F}" type="datetimeFigureOut">
               <a:rPr lang="en-US" smtClean="0"/>
-              <a:t>3/6/2023</a:t>
+              <a:t>3/24/2023</a:t>
             </a:fld>
             <a:endParaRPr lang="en-US"/>
           </a:p>
@@ -1068,7 +1068,7 @@
           <a:p>
             <a:fld id="{A76116CE-C4A3-4A05-B2D7-7C2E9A889C0F}" type="datetimeFigureOut">
               <a:rPr lang="en-US" smtClean="0"/>
-              <a:t>3/6/2023</a:t>
+              <a:t>3/24/2023</a:t>
             </a:fld>
             <a:endParaRPr lang="en-US"/>
           </a:p>
@@ -1348,7 +1348,7 @@
           <a:p>
             <a:fld id="{A76116CE-C4A3-4A05-B2D7-7C2E9A889C0F}" type="datetimeFigureOut">
               <a:rPr lang="en-US" smtClean="0"/>
-              <a:t>3/6/2023</a:t>
+              <a:t>3/24/2023</a:t>
             </a:fld>
             <a:endParaRPr lang="en-US"/>
           </a:p>
@@ -1762,7 +1762,7 @@
           <a:p>
             <a:fld id="{A76116CE-C4A3-4A05-B2D7-7C2E9A889C0F}" type="datetimeFigureOut">
               <a:rPr lang="en-US" smtClean="0"/>
-              <a:t>3/6/2023</a:t>
+              <a:t>3/24/2023</a:t>
             </a:fld>
             <a:endParaRPr lang="en-US"/>
           </a:p>
@@ -1874,7 +1874,7 @@
           <a:p>
             <a:fld id="{A76116CE-C4A3-4A05-B2D7-7C2E9A889C0F}" type="datetimeFigureOut">
               <a:rPr lang="en-US" smtClean="0"/>
-              <a:t>3/6/2023</a:t>
+              <a:t>3/24/2023</a:t>
             </a:fld>
             <a:endParaRPr lang="en-US"/>
           </a:p>
@@ -1964,7 +1964,7 @@
           <a:p>
             <a:fld id="{A76116CE-C4A3-4A05-B2D7-7C2E9A889C0F}" type="datetimeFigureOut">
               <a:rPr lang="en-US" smtClean="0"/>
-              <a:t>3/6/2023</a:t>
+              <a:t>3/24/2023</a:t>
             </a:fld>
             <a:endParaRPr lang="en-US"/>
           </a:p>
@@ -2234,7 +2234,7 @@
           <a:p>
             <a:fld id="{A76116CE-C4A3-4A05-B2D7-7C2E9A889C0F}" type="datetimeFigureOut">
               <a:rPr lang="en-US" smtClean="0"/>
-              <a:t>3/6/2023</a:t>
+              <a:t>3/24/2023</a:t>
             </a:fld>
             <a:endParaRPr lang="en-US"/>
           </a:p>
@@ -2481,7 +2481,7 @@
           <a:p>
             <a:fld id="{A76116CE-C4A3-4A05-B2D7-7C2E9A889C0F}" type="datetimeFigureOut">
               <a:rPr lang="en-US" smtClean="0"/>
-              <a:t>3/6/2023</a:t>
+              <a:t>3/24/2023</a:t>
             </a:fld>
             <a:endParaRPr lang="en-US"/>
           </a:p>
@@ -2687,7 +2687,7 @@
           <a:p>
             <a:fld id="{F8166F1F-CE9B-4651-A6AA-CD717754106B}" type="datetimeFigureOut">
               <a:rPr lang="en-US" smtClean="0"/>
-              <a:t>3/6/2023</a:t>
+              <a:t>3/24/2023</a:t>
             </a:fld>
             <a:endParaRPr lang="en-US"/>
           </a:p>
@@ -3889,7 +3889,7 @@
         <p:spPr>
           <a:xfrm>
             <a:off x="898410" y="355336"/>
-            <a:ext cx="1403520" cy="366797"/>
+            <a:ext cx="1225492" cy="371911"/>
           </a:xfrm>
           <a:prstGeom prst="rect">
             <a:avLst/>
@@ -4125,8 +4125,8 @@
         </p:blipFill>
         <p:spPr>
           <a:xfrm>
-            <a:off x="5165620" y="5335772"/>
-            <a:ext cx="3667578" cy="570188"/>
+            <a:off x="5156096" y="5335772"/>
+            <a:ext cx="3648531" cy="573864"/>
           </a:xfrm>
           <a:prstGeom prst="rect">
             <a:avLst/>
@@ -4300,7 +4300,7 @@
         <p:spPr>
           <a:xfrm>
             <a:off x="898410" y="355336"/>
-            <a:ext cx="1403520" cy="366797"/>
+            <a:ext cx="1225492" cy="371911"/>
           </a:xfrm>
           <a:prstGeom prst="rect">
             <a:avLst/>
@@ -4552,7 +4552,7 @@
         <p:spPr>
           <a:xfrm>
             <a:off x="389814" y="1720391"/>
-            <a:ext cx="2633778" cy="654055"/>
+            <a:ext cx="2981635" cy="369635"/>
           </a:xfrm>
           <a:prstGeom prst="rect">
             <a:avLst/>
@@ -4984,7 +4984,7 @@
         <p:spPr>
           <a:xfrm>
             <a:off x="898410" y="355336"/>
-            <a:ext cx="1403520" cy="366797"/>
+            <a:ext cx="1225492" cy="371911"/>
           </a:xfrm>
           <a:prstGeom prst="rect">
             <a:avLst/>
@@ -5665,7 +5665,7 @@
         <p:spPr>
           <a:xfrm>
             <a:off x="5509905" y="6448210"/>
-            <a:ext cx="4316740" cy="562160"/>
+            <a:ext cx="4555283" cy="562160"/>
           </a:xfrm>
           <a:prstGeom prst="rect">
             <a:avLst/>
@@ -5727,8 +5727,8 @@
         </p:blipFill>
         <p:spPr>
           <a:xfrm>
-            <a:off x="6883011" y="1357012"/>
-            <a:ext cx="2877664" cy="530274"/>
+            <a:off x="6883010" y="1357010"/>
+            <a:ext cx="3625112" cy="533598"/>
           </a:xfrm>
           <a:prstGeom prst="rect">
             <a:avLst/>
@@ -5965,7 +5965,7 @@
         <p:spPr>
           <a:xfrm>
             <a:off x="898410" y="355336"/>
-            <a:ext cx="1403520" cy="366797"/>
+            <a:ext cx="1225492" cy="371911"/>
           </a:xfrm>
           <a:prstGeom prst="rect">
             <a:avLst/>
@@ -6552,8 +6552,8 @@
         </p:blipFill>
         <p:spPr>
           <a:xfrm>
-            <a:off x="662672" y="6817665"/>
-            <a:ext cx="4556074" cy="326026"/>
+            <a:off x="662672" y="6817667"/>
+            <a:ext cx="4885360" cy="326236"/>
           </a:xfrm>
           <a:prstGeom prst="rect">
             <a:avLst/>
@@ -6799,7 +6799,7 @@
         <p:spPr>
           <a:xfrm>
             <a:off x="898410" y="355336"/>
-            <a:ext cx="1403520" cy="366797"/>
+            <a:ext cx="1225492" cy="371911"/>
           </a:xfrm>
           <a:prstGeom prst="rect">
             <a:avLst/>
@@ -7522,7 +7522,7 @@
         <p:spPr>
           <a:xfrm>
             <a:off x="898410" y="355336"/>
-            <a:ext cx="1403520" cy="366797"/>
+            <a:ext cx="1225492" cy="371911"/>
           </a:xfrm>
           <a:prstGeom prst="rect">
             <a:avLst/>
@@ -8008,7 +8008,7 @@
         <p:spPr>
           <a:xfrm>
             <a:off x="746048" y="6305134"/>
-            <a:ext cx="1254569" cy="326026"/>
+            <a:ext cx="1254417" cy="326236"/>
           </a:xfrm>
           <a:prstGeom prst="rect">
             <a:avLst/>
@@ -8284,7 +8284,7 @@
         <p:spPr>
           <a:xfrm>
             <a:off x="898410" y="355336"/>
-            <a:ext cx="1403520" cy="366797"/>
+            <a:ext cx="1225492" cy="371911"/>
           </a:xfrm>
           <a:prstGeom prst="rect">
             <a:avLst/>
@@ -9031,7 +9031,7 @@
         <p:spPr>
           <a:xfrm>
             <a:off x="898410" y="355336"/>
-            <a:ext cx="1403520" cy="366797"/>
+            <a:ext cx="1225492" cy="371911"/>
           </a:xfrm>
           <a:prstGeom prst="rect">
             <a:avLst/>
@@ -10653,8 +10653,8 @@
         </p:blipFill>
         <p:spPr>
           <a:xfrm>
-            <a:off x="6221230" y="5153280"/>
-            <a:ext cx="1010688" cy="644022"/>
+            <a:off x="6211709" y="5153280"/>
+            <a:ext cx="910212" cy="584374"/>
           </a:xfrm>
           <a:prstGeom prst="rect">
             <a:avLst/>
@@ -10969,7 +10969,7 @@
         <p:spPr>
           <a:xfrm>
             <a:off x="898410" y="355336"/>
-            <a:ext cx="1403520" cy="366797"/>
+            <a:ext cx="1225492" cy="371911"/>
           </a:xfrm>
           <a:prstGeom prst="rect">
             <a:avLst/>
@@ -11989,7 +11989,7 @@
         <p:spPr>
           <a:xfrm>
             <a:off x="898410" y="355336"/>
-            <a:ext cx="1403520" cy="366797"/>
+            <a:ext cx="1225492" cy="371911"/>
           </a:xfrm>
           <a:prstGeom prst="rect">
             <a:avLst/>
@@ -12357,8 +12357,8 @@
         </p:blipFill>
         <p:spPr>
           <a:xfrm>
-            <a:off x="783659" y="6627577"/>
-            <a:ext cx="5699444" cy="565806"/>
+            <a:off x="802707" y="6627577"/>
+            <a:ext cx="5860711" cy="569511"/>
           </a:xfrm>
           <a:prstGeom prst="rect">
             <a:avLst/>
@@ -12493,7 +12493,7 @@
         <p:spPr>
           <a:xfrm>
             <a:off x="898410" y="355336"/>
-            <a:ext cx="1403520" cy="366797"/>
+            <a:ext cx="1225492" cy="371911"/>
           </a:xfrm>
           <a:prstGeom prst="rect">
             <a:avLst/>
@@ -13179,7 +13179,15 @@
 
 <file path=ppt/slides/slide24.xml><?xml version="1.0" encoding="utf-8"?>
 <p:sld xmlns:a="http://schemas.openxmlformats.org/drawingml/2006/main" xmlns:r="http://schemas.openxmlformats.org/officeDocument/2006/relationships" xmlns:p="http://schemas.openxmlformats.org/presentationml/2006/main">
-  <p:cSld>
+  <p:cSld name="Slide 24">
+    <p:bg>
+      <p:bgPr>
+        <a:solidFill>
+          <a:srgbClr val="FFFFFF"/>
+        </a:solidFill>
+        <a:effectLst/>
+      </p:bgPr>
+    </p:bg>
     <p:spTree>
       <p:nvGrpSpPr>
         <p:cNvPr id="1" name=""/>
@@ -13202,9 +13210,9 @@
         </p:nvGrpSpPr>
         <p:grpSpPr>
           <a:xfrm>
-            <a:off x="2318144" y="2313055"/>
+            <a:off x="2317825" y="2389332"/>
             <a:ext cx="1496674" cy="1245712"/>
-            <a:chOff x="824388" y="2336904"/>
+            <a:chOff x="2317825" y="2389332"/>
             <a:chExt cx="1496674" cy="1245712"/>
           </a:xfrm>
         </p:grpSpPr>
@@ -13224,8 +13232,164 @@
           </p:blipFill>
           <p:spPr>
             <a:xfrm>
-              <a:off x="824388" y="2336904"/>
+              <a:off x="2317825" y="2389332"/>
               <a:ext cx="1496674" cy="1245712"/>
+            </a:xfrm>
+            <a:prstGeom prst="rect">
+              <a:avLst/>
+            </a:prstGeom>
+          </p:spPr>
+        </p:pic>
+      </p:grpSp>
+      <p:grpSp>
+        <p:nvGrpSpPr>
+          <p:cNvPr id="1002" name="그룹 1002"/>
+          <p:cNvGrpSpPr/>
+          <p:nvPr/>
+        </p:nvGrpSpPr>
+        <p:grpSpPr>
+          <a:xfrm>
+            <a:off x="6977247" y="2389332"/>
+            <a:ext cx="1496674" cy="1245712"/>
+            <a:chOff x="6977247" y="2389332"/>
+            <a:chExt cx="1496674" cy="1245712"/>
+          </a:xfrm>
+        </p:grpSpPr>
+        <p:pic>
+          <p:nvPicPr>
+            <p:cNvPr id="7" name="Object 6"/>
+            <p:cNvPicPr>
+              <a:picLocks noChangeAspect="1"/>
+            </p:cNvPicPr>
+            <p:nvPr/>
+          </p:nvPicPr>
+          <p:blipFill>
+            <a:blip r:embed="rId2" cstate="print"/>
+            <a:stretch>
+              <a:fillRect/>
+            </a:stretch>
+          </p:blipFill>
+          <p:spPr>
+            <a:xfrm>
+              <a:off x="6977247" y="2389332"/>
+              <a:ext cx="1496674" cy="1245712"/>
+            </a:xfrm>
+            <a:prstGeom prst="rect">
+              <a:avLst/>
+            </a:prstGeom>
+          </p:spPr>
+        </p:pic>
+      </p:grpSp>
+      <p:grpSp>
+        <p:nvGrpSpPr>
+          <p:cNvPr id="1003" name="그룹 1003"/>
+          <p:cNvGrpSpPr/>
+          <p:nvPr/>
+        </p:nvGrpSpPr>
+        <p:grpSpPr>
+          <a:xfrm>
+            <a:off x="2317825" y="4426268"/>
+            <a:ext cx="1496674" cy="1245712"/>
+            <a:chOff x="2317825" y="4426268"/>
+            <a:chExt cx="1496674" cy="1245712"/>
+          </a:xfrm>
+        </p:grpSpPr>
+        <p:pic>
+          <p:nvPicPr>
+            <p:cNvPr id="11" name="Object 10"/>
+            <p:cNvPicPr>
+              <a:picLocks noChangeAspect="1"/>
+            </p:cNvPicPr>
+            <p:nvPr/>
+          </p:nvPicPr>
+          <p:blipFill>
+            <a:blip r:embed="rId2" cstate="print"/>
+            <a:stretch>
+              <a:fillRect/>
+            </a:stretch>
+          </p:blipFill>
+          <p:spPr>
+            <a:xfrm>
+              <a:off x="2317825" y="4426268"/>
+              <a:ext cx="1496674" cy="1245712"/>
+            </a:xfrm>
+            <a:prstGeom prst="rect">
+              <a:avLst/>
+            </a:prstGeom>
+          </p:spPr>
+        </p:pic>
+      </p:grpSp>
+      <p:grpSp>
+        <p:nvGrpSpPr>
+          <p:cNvPr id="1004" name="그룹 1004"/>
+          <p:cNvGrpSpPr/>
+          <p:nvPr/>
+        </p:nvGrpSpPr>
+        <p:grpSpPr>
+          <a:xfrm>
+            <a:off x="6977247" y="4426268"/>
+            <a:ext cx="1496674" cy="1245712"/>
+            <a:chOff x="6977247" y="4426268"/>
+            <a:chExt cx="1496674" cy="1245712"/>
+          </a:xfrm>
+        </p:grpSpPr>
+        <p:pic>
+          <p:nvPicPr>
+            <p:cNvPr id="15" name="Object 14"/>
+            <p:cNvPicPr>
+              <a:picLocks noChangeAspect="1"/>
+            </p:cNvPicPr>
+            <p:nvPr/>
+          </p:nvPicPr>
+          <p:blipFill>
+            <a:blip r:embed="rId2" cstate="print"/>
+            <a:stretch>
+              <a:fillRect/>
+            </a:stretch>
+          </p:blipFill>
+          <p:spPr>
+            <a:xfrm>
+              <a:off x="6977247" y="4426268"/>
+              <a:ext cx="1496674" cy="1245712"/>
+            </a:xfrm>
+            <a:prstGeom prst="rect">
+              <a:avLst/>
+            </a:prstGeom>
+          </p:spPr>
+        </p:pic>
+      </p:grpSp>
+      <p:grpSp>
+        <p:nvGrpSpPr>
+          <p:cNvPr id="1005" name="그룹 1005"/>
+          <p:cNvGrpSpPr/>
+          <p:nvPr/>
+        </p:nvGrpSpPr>
+        <p:grpSpPr>
+          <a:xfrm>
+            <a:off x="577923" y="312230"/>
+            <a:ext cx="10117315" cy="364298"/>
+            <a:chOff x="577923" y="312230"/>
+            <a:chExt cx="10117315" cy="364298"/>
+          </a:xfrm>
+        </p:grpSpPr>
+        <p:pic>
+          <p:nvPicPr>
+            <p:cNvPr id="19" name="Object 18"/>
+            <p:cNvPicPr>
+              <a:picLocks noChangeAspect="1"/>
+            </p:cNvPicPr>
+            <p:nvPr/>
+          </p:nvPicPr>
+          <p:blipFill>
+            <a:blip r:embed="rId3" cstate="print"/>
+            <a:stretch>
+              <a:fillRect/>
+            </a:stretch>
+          </p:blipFill>
+          <p:spPr>
+            <a:xfrm>
+              <a:off x="577923" y="312230"/>
+              <a:ext cx="10117315" cy="364298"/>
             </a:xfrm>
             <a:prstGeom prst="rect">
               <a:avLst/>
@@ -13235,9 +13399,7 @@
       </p:grpSp>
       <p:pic>
         <p:nvPicPr>
-          <p:cNvPr id="5" name="Object 4">
-            <a:hlinkClick r:id="rId3"/>
-          </p:cNvPr>
+          <p:cNvPr id="21" name="Object 20"/>
           <p:cNvPicPr>
             <a:picLocks noChangeAspect="1"/>
           </p:cNvPicPr>
@@ -13251,8 +13413,8 @@
         </p:blipFill>
         <p:spPr>
           <a:xfrm>
-            <a:off x="2187101" y="2867025"/>
-            <a:ext cx="1435543" cy="369067"/>
+            <a:off x="898410" y="355336"/>
+            <a:ext cx="853854" cy="366797"/>
           </a:xfrm>
           <a:prstGeom prst="rect">
             <a:avLst/>
@@ -13261,36 +13423,36 @@
       </p:pic>
       <p:grpSp>
         <p:nvGrpSpPr>
-          <p:cNvPr id="1002" name="그룹 1002"/>
-          <p:cNvGrpSpPr/>
-          <p:nvPr/>
-        </p:nvGrpSpPr>
-        <p:grpSpPr>
-          <a:xfrm>
-            <a:off x="6977567" y="2313055"/>
-            <a:ext cx="1496674" cy="1245712"/>
-            <a:chOff x="5483811" y="2336904"/>
-            <a:chExt cx="1496674" cy="1245712"/>
-          </a:xfrm>
-        </p:grpSpPr>
-        <p:pic>
-          <p:nvPicPr>
-            <p:cNvPr id="7" name="Object 6"/>
-            <p:cNvPicPr>
-              <a:picLocks noChangeAspect="1"/>
-            </p:cNvPicPr>
-            <p:nvPr/>
-          </p:nvPicPr>
-          <p:blipFill>
-            <a:blip r:embed="rId2" cstate="print"/>
-            <a:stretch>
-              <a:fillRect/>
-            </a:stretch>
-          </p:blipFill>
-          <p:spPr>
-            <a:xfrm>
-              <a:off x="5483811" y="2336904"/>
-              <a:ext cx="1496674" cy="1245712"/>
+          <p:cNvPr id="1006" name="그룹 1006"/>
+          <p:cNvGrpSpPr/>
+          <p:nvPr/>
+        </p:nvGrpSpPr>
+        <p:grpSpPr>
+          <a:xfrm>
+            <a:off x="197471" y="159688"/>
+            <a:ext cx="502781" cy="602536"/>
+            <a:chOff x="197471" y="159688"/>
+            <a:chExt cx="502781" cy="602536"/>
+          </a:xfrm>
+        </p:grpSpPr>
+        <p:pic>
+          <p:nvPicPr>
+            <p:cNvPr id="23" name="Object 22"/>
+            <p:cNvPicPr>
+              <a:picLocks noChangeAspect="1"/>
+            </p:cNvPicPr>
+            <p:nvPr/>
+          </p:nvPicPr>
+          <p:blipFill>
+            <a:blip r:embed="rId5" cstate="print"/>
+            <a:stretch>
+              <a:fillRect/>
+            </a:stretch>
+          </p:blipFill>
+          <p:spPr>
+            <a:xfrm>
+              <a:off x="197471" y="159688"/>
+              <a:ext cx="502781" cy="602536"/>
             </a:xfrm>
             <a:prstGeom prst="rect">
               <a:avLst/>
@@ -13300,9 +13462,7 @@
       </p:grpSp>
       <p:pic>
         <p:nvPicPr>
-          <p:cNvPr id="9" name="Object 8">
-            <a:hlinkClick r:id="rId5"/>
-          </p:cNvPr>
+          <p:cNvPr id="25" name="Object 24"/>
           <p:cNvPicPr>
             <a:picLocks noChangeAspect="1"/>
           </p:cNvPicPr>
@@ -13316,262 +13476,6 @@
         </p:blipFill>
         <p:spPr>
           <a:xfrm>
-            <a:off x="7024687" y="2867025"/>
-            <a:ext cx="1210467" cy="388115"/>
-          </a:xfrm>
-          <a:prstGeom prst="rect">
-            <a:avLst/>
-          </a:prstGeom>
-        </p:spPr>
-      </p:pic>
-      <p:grpSp>
-        <p:nvGrpSpPr>
-          <p:cNvPr id="1003" name="그룹 1003"/>
-          <p:cNvGrpSpPr/>
-          <p:nvPr/>
-        </p:nvGrpSpPr>
-        <p:grpSpPr>
-          <a:xfrm>
-            <a:off x="2318144" y="4349992"/>
-            <a:ext cx="1496674" cy="1245712"/>
-            <a:chOff x="824388" y="4373841"/>
-            <a:chExt cx="1496674" cy="1245712"/>
-          </a:xfrm>
-        </p:grpSpPr>
-        <p:pic>
-          <p:nvPicPr>
-            <p:cNvPr id="11" name="Object 10"/>
-            <p:cNvPicPr>
-              <a:picLocks noChangeAspect="1"/>
-            </p:cNvPicPr>
-            <p:nvPr/>
-          </p:nvPicPr>
-          <p:blipFill>
-            <a:blip r:embed="rId2" cstate="print"/>
-            <a:stretch>
-              <a:fillRect/>
-            </a:stretch>
-          </p:blipFill>
-          <p:spPr>
-            <a:xfrm>
-              <a:off x="824388" y="4373841"/>
-              <a:ext cx="1496674" cy="1245712"/>
-            </a:xfrm>
-            <a:prstGeom prst="rect">
-              <a:avLst/>
-            </a:prstGeom>
-          </p:spPr>
-        </p:pic>
-      </p:grpSp>
-      <p:pic>
-        <p:nvPicPr>
-          <p:cNvPr id="13" name="Object 12">
-            <a:hlinkClick r:id="rId7"/>
-          </p:cNvPr>
-          <p:cNvPicPr>
-            <a:picLocks noChangeAspect="1"/>
-          </p:cNvPicPr>
-          <p:nvPr/>
-        </p:nvPicPr>
-        <p:blipFill>
-          <a:blip r:embed="rId8" cstate="print"/>
-          <a:stretch>
-            <a:fillRect/>
-          </a:stretch>
-        </p:blipFill>
-        <p:spPr>
-          <a:xfrm>
-            <a:off x="2365257" y="4903958"/>
-            <a:ext cx="1266972" cy="378591"/>
-          </a:xfrm>
-          <a:prstGeom prst="rect">
-            <a:avLst/>
-          </a:prstGeom>
-        </p:spPr>
-      </p:pic>
-      <p:grpSp>
-        <p:nvGrpSpPr>
-          <p:cNvPr id="1004" name="그룹 1004"/>
-          <p:cNvGrpSpPr/>
-          <p:nvPr/>
-        </p:nvGrpSpPr>
-        <p:grpSpPr>
-          <a:xfrm>
-            <a:off x="6977567" y="4349992"/>
-            <a:ext cx="1496674" cy="1245712"/>
-            <a:chOff x="5483811" y="4373841"/>
-            <a:chExt cx="1496674" cy="1245712"/>
-          </a:xfrm>
-        </p:grpSpPr>
-        <p:pic>
-          <p:nvPicPr>
-            <p:cNvPr id="15" name="Object 14"/>
-            <p:cNvPicPr>
-              <a:picLocks noChangeAspect="1"/>
-            </p:cNvPicPr>
-            <p:nvPr/>
-          </p:nvPicPr>
-          <p:blipFill>
-            <a:blip r:embed="rId2" cstate="print"/>
-            <a:stretch>
-              <a:fillRect/>
-            </a:stretch>
-          </p:blipFill>
-          <p:spPr>
-            <a:xfrm>
-              <a:off x="5483811" y="4373841"/>
-              <a:ext cx="1496674" cy="1245712"/>
-            </a:xfrm>
-            <a:prstGeom prst="rect">
-              <a:avLst/>
-            </a:prstGeom>
-          </p:spPr>
-        </p:pic>
-      </p:grpSp>
-      <p:pic>
-        <p:nvPicPr>
-          <p:cNvPr id="17" name="Object 16">
-            <a:hlinkClick r:id="rId9"/>
-          </p:cNvPr>
-          <p:cNvPicPr>
-            <a:picLocks noChangeAspect="1"/>
-          </p:cNvPicPr>
-          <p:nvPr/>
-        </p:nvPicPr>
-        <p:blipFill>
-          <a:blip r:embed="rId10" cstate="print"/>
-          <a:stretch>
-            <a:fillRect/>
-          </a:stretch>
-        </p:blipFill>
-        <p:spPr>
-          <a:xfrm>
-            <a:off x="7028557" y="4907828"/>
-            <a:ext cx="1412597" cy="326130"/>
-          </a:xfrm>
-          <a:prstGeom prst="rect">
-            <a:avLst/>
-          </a:prstGeom>
-        </p:spPr>
-      </p:pic>
-      <p:grpSp>
-        <p:nvGrpSpPr>
-          <p:cNvPr id="1005" name="그룹 1005"/>
-          <p:cNvGrpSpPr/>
-          <p:nvPr/>
-        </p:nvGrpSpPr>
-        <p:grpSpPr>
-          <a:xfrm>
-            <a:off x="577923" y="312230"/>
-            <a:ext cx="10117315" cy="364298"/>
-            <a:chOff x="577923" y="312230"/>
-            <a:chExt cx="10117315" cy="364298"/>
-          </a:xfrm>
-        </p:grpSpPr>
-        <p:pic>
-          <p:nvPicPr>
-            <p:cNvPr id="19" name="Object 18"/>
-            <p:cNvPicPr>
-              <a:picLocks noChangeAspect="1"/>
-            </p:cNvPicPr>
-            <p:nvPr/>
-          </p:nvPicPr>
-          <p:blipFill>
-            <a:blip r:embed="rId11" cstate="print"/>
-            <a:stretch>
-              <a:fillRect/>
-            </a:stretch>
-          </p:blipFill>
-          <p:spPr>
-            <a:xfrm>
-              <a:off x="577923" y="312230"/>
-              <a:ext cx="10117315" cy="364298"/>
-            </a:xfrm>
-            <a:prstGeom prst="rect">
-              <a:avLst/>
-            </a:prstGeom>
-          </p:spPr>
-        </p:pic>
-      </p:grpSp>
-      <p:pic>
-        <p:nvPicPr>
-          <p:cNvPr id="21" name="Object 20"/>
-          <p:cNvPicPr>
-            <a:picLocks noChangeAspect="1"/>
-          </p:cNvPicPr>
-          <p:nvPr/>
-        </p:nvPicPr>
-        <p:blipFill>
-          <a:blip r:embed="rId12" cstate="print"/>
-          <a:stretch>
-            <a:fillRect/>
-          </a:stretch>
-        </p:blipFill>
-        <p:spPr>
-          <a:xfrm>
-            <a:off x="898410" y="355336"/>
-            <a:ext cx="853854" cy="366797"/>
-          </a:xfrm>
-          <a:prstGeom prst="rect">
-            <a:avLst/>
-          </a:prstGeom>
-        </p:spPr>
-      </p:pic>
-      <p:grpSp>
-        <p:nvGrpSpPr>
-          <p:cNvPr id="1006" name="그룹 1006"/>
-          <p:cNvGrpSpPr/>
-          <p:nvPr/>
-        </p:nvGrpSpPr>
-        <p:grpSpPr>
-          <a:xfrm>
-            <a:off x="197471" y="159688"/>
-            <a:ext cx="502781" cy="602536"/>
-            <a:chOff x="197471" y="159688"/>
-            <a:chExt cx="502781" cy="602536"/>
-          </a:xfrm>
-        </p:grpSpPr>
-        <p:pic>
-          <p:nvPicPr>
-            <p:cNvPr id="23" name="Object 22"/>
-            <p:cNvPicPr>
-              <a:picLocks noChangeAspect="1"/>
-            </p:cNvPicPr>
-            <p:nvPr/>
-          </p:nvPicPr>
-          <p:blipFill>
-            <a:blip r:embed="rId13" cstate="print"/>
-            <a:stretch>
-              <a:fillRect/>
-            </a:stretch>
-          </p:blipFill>
-          <p:spPr>
-            <a:xfrm>
-              <a:off x="197471" y="159688"/>
-              <a:ext cx="502781" cy="602536"/>
-            </a:xfrm>
-            <a:prstGeom prst="rect">
-              <a:avLst/>
-            </a:prstGeom>
-          </p:spPr>
-        </p:pic>
-      </p:grpSp>
-      <p:pic>
-        <p:nvPicPr>
-          <p:cNvPr id="25" name="Object 24"/>
-          <p:cNvPicPr>
-            <a:picLocks noChangeAspect="1"/>
-          </p:cNvPicPr>
-          <p:nvPr/>
-        </p:nvPicPr>
-        <p:blipFill>
-          <a:blip r:embed="rId14" cstate="print"/>
-          <a:stretch>
-            <a:fillRect/>
-          </a:stretch>
-        </p:blipFill>
-        <p:spPr>
-          <a:xfrm>
             <a:off x="262694" y="333082"/>
             <a:ext cx="352239" cy="110915"/>
           </a:xfrm>
@@ -13589,7 +13493,7 @@
           <p:nvPr/>
         </p:nvPicPr>
         <p:blipFill>
-          <a:blip r:embed="rId15" cstate="print"/>
+          <a:blip r:embed="rId7" cstate="print"/>
           <a:stretch>
             <a:fillRect/>
           </a:stretch>
@@ -13604,6 +13508,349 @@
           </a:prstGeom>
         </p:spPr>
       </p:pic>
+      <p:sp>
+        <p:nvSpPr>
+          <p:cNvPr id="2" name="TextBox 1">
+            <a:extLst>
+              <a:ext uri="{FF2B5EF4-FFF2-40B4-BE49-F238E27FC236}">
+                <a16:creationId xmlns:a16="http://schemas.microsoft.com/office/drawing/2014/main" id="{20EC4F1E-402D-4BDA-B7F1-A4B2E4E4EB97}"/>
+              </a:ext>
+            </a:extLst>
+          </p:cNvPr>
+          <p:cNvSpPr txBox="1"/>
+          <p:nvPr/>
+        </p:nvSpPr>
+        <p:spPr>
+          <a:xfrm>
+            <a:off x="2514650" y="2957017"/>
+            <a:ext cx="1103023" cy="369332"/>
+          </a:xfrm>
+          <a:prstGeom prst="rect">
+            <a:avLst/>
+          </a:prstGeom>
+          <a:noFill/>
+        </p:spPr>
+        <p:txBody>
+          <a:bodyPr wrap="square" rtlCol="0">
+            <a:spAutoFit/>
+          </a:bodyPr>
+          <a:lstStyle/>
+          <a:p>
+            <a:r>
+              <a:rPr lang="ja-JP" altLang="en-US" b="1" dirty="0">
+                <a:solidFill>
+                  <a:srgbClr val="477EFF"/>
+                </a:solidFill>
+                <a:latin typeface="Yu Gothic" panose="020B0400000000000000" pitchFamily="34" charset="-128"/>
+                <a:ea typeface="Yu Gothic" panose="020B0400000000000000" pitchFamily="34" charset="-128"/>
+              </a:rPr>
+              <a:t>商品登録</a:t>
+            </a:r>
+            <a:endParaRPr lang="ko-KR" altLang="en-US" b="1" dirty="0">
+              <a:solidFill>
+                <a:srgbClr val="477EFF"/>
+              </a:solidFill>
+              <a:latin typeface="Yu Gothic" panose="020B0400000000000000" pitchFamily="34" charset="-128"/>
+            </a:endParaRPr>
+          </a:p>
+        </p:txBody>
+      </p:sp>
+      <p:sp>
+        <p:nvSpPr>
+          <p:cNvPr id="22" name="TextBox 21">
+            <a:extLst>
+              <a:ext uri="{FF2B5EF4-FFF2-40B4-BE49-F238E27FC236}">
+                <a16:creationId xmlns:a16="http://schemas.microsoft.com/office/drawing/2014/main" id="{D15D6A62-9A8F-4C64-B758-39B8C0115D31}"/>
+              </a:ext>
+            </a:extLst>
+          </p:cNvPr>
+          <p:cNvSpPr txBox="1"/>
+          <p:nvPr/>
+        </p:nvSpPr>
+        <p:spPr>
+          <a:xfrm>
+            <a:off x="7174072" y="2957017"/>
+            <a:ext cx="1103023" cy="369332"/>
+          </a:xfrm>
+          <a:prstGeom prst="rect">
+            <a:avLst/>
+          </a:prstGeom>
+          <a:noFill/>
+        </p:spPr>
+        <p:txBody>
+          <a:bodyPr wrap="square" rtlCol="0">
+            <a:spAutoFit/>
+          </a:bodyPr>
+          <a:lstStyle/>
+          <a:p>
+            <a:r>
+              <a:rPr lang="ja-JP" altLang="en-US" b="1" dirty="0">
+                <a:solidFill>
+                  <a:srgbClr val="477EFF"/>
+                </a:solidFill>
+                <a:latin typeface="Yu Gothic" panose="020B0400000000000000" pitchFamily="34" charset="-128"/>
+                <a:ea typeface="Yu Gothic" panose="020B0400000000000000" pitchFamily="34" charset="-128"/>
+              </a:rPr>
+              <a:t>チャット</a:t>
+            </a:r>
+            <a:endParaRPr lang="ko-KR" altLang="en-US" b="1" dirty="0">
+              <a:solidFill>
+                <a:srgbClr val="477EFF"/>
+              </a:solidFill>
+              <a:latin typeface="Yu Gothic" panose="020B0400000000000000" pitchFamily="34" charset="-128"/>
+            </a:endParaRPr>
+          </a:p>
+        </p:txBody>
+      </p:sp>
+      <p:sp>
+        <p:nvSpPr>
+          <p:cNvPr id="28" name="TextBox 27">
+            <a:extLst>
+              <a:ext uri="{FF2B5EF4-FFF2-40B4-BE49-F238E27FC236}">
+                <a16:creationId xmlns:a16="http://schemas.microsoft.com/office/drawing/2014/main" id="{ECCB3209-92C5-43C0-953C-0734D2FB1238}"/>
+              </a:ext>
+            </a:extLst>
+          </p:cNvPr>
+          <p:cNvSpPr txBox="1"/>
+          <p:nvPr/>
+        </p:nvSpPr>
+        <p:spPr>
+          <a:xfrm>
+            <a:off x="2514650" y="4965637"/>
+            <a:ext cx="1103023" cy="369332"/>
+          </a:xfrm>
+          <a:prstGeom prst="rect">
+            <a:avLst/>
+          </a:prstGeom>
+          <a:noFill/>
+        </p:spPr>
+        <p:txBody>
+          <a:bodyPr wrap="square" rtlCol="0">
+            <a:spAutoFit/>
+          </a:bodyPr>
+          <a:lstStyle/>
+          <a:p>
+            <a:r>
+              <a:rPr lang="ja-JP" altLang="en-US" b="1" dirty="0">
+                <a:solidFill>
+                  <a:srgbClr val="477EFF"/>
+                </a:solidFill>
+                <a:latin typeface="Yu Gothic" panose="020B0400000000000000" pitchFamily="34" charset="-128"/>
+                <a:ea typeface="Yu Gothic" panose="020B0400000000000000" pitchFamily="34" charset="-128"/>
+              </a:rPr>
+              <a:t>販売内訳</a:t>
+            </a:r>
+            <a:endParaRPr lang="ko-KR" altLang="en-US" b="1" dirty="0">
+              <a:solidFill>
+                <a:srgbClr val="477EFF"/>
+              </a:solidFill>
+              <a:latin typeface="Yu Gothic" panose="020B0400000000000000" pitchFamily="34" charset="-128"/>
+            </a:endParaRPr>
+          </a:p>
+        </p:txBody>
+      </p:sp>
+      <p:sp>
+        <p:nvSpPr>
+          <p:cNvPr id="29" name="TextBox 28">
+            <a:extLst>
+              <a:ext uri="{FF2B5EF4-FFF2-40B4-BE49-F238E27FC236}">
+                <a16:creationId xmlns:a16="http://schemas.microsoft.com/office/drawing/2014/main" id="{47C24AC8-4D16-4A80-A09D-52E720B29273}"/>
+              </a:ext>
+            </a:extLst>
+          </p:cNvPr>
+          <p:cNvSpPr txBox="1"/>
+          <p:nvPr/>
+        </p:nvSpPr>
+        <p:spPr>
+          <a:xfrm>
+            <a:off x="7021103" y="4996415"/>
+            <a:ext cx="1480299" cy="338554"/>
+          </a:xfrm>
+          <a:prstGeom prst="rect">
+            <a:avLst/>
+          </a:prstGeom>
+          <a:noFill/>
+        </p:spPr>
+        <p:txBody>
+          <a:bodyPr wrap="square" rtlCol="0">
+            <a:spAutoFit/>
+          </a:bodyPr>
+          <a:lstStyle/>
+          <a:p>
+            <a:r>
+              <a:rPr lang="ja-JP" altLang="en-US" sz="1600" b="1" dirty="0">
+                <a:solidFill>
+                  <a:srgbClr val="477EFF"/>
+                </a:solidFill>
+                <a:latin typeface="Yu Gothic" panose="020B0400000000000000" pitchFamily="34" charset="-128"/>
+                <a:ea typeface="Yu Gothic" panose="020B0400000000000000" pitchFamily="34" charset="-128"/>
+              </a:rPr>
+              <a:t>会員情報修正</a:t>
+            </a:r>
+            <a:endParaRPr lang="ko-KR" altLang="en-US" sz="1600" b="1" dirty="0">
+              <a:solidFill>
+                <a:srgbClr val="477EFF"/>
+              </a:solidFill>
+              <a:latin typeface="Yu Gothic" panose="020B0400000000000000" pitchFamily="34" charset="-128"/>
+            </a:endParaRPr>
+          </a:p>
+        </p:txBody>
+      </p:sp>
+      <p:sp>
+        <p:nvSpPr>
+          <p:cNvPr id="37" name="TextBox 36">
+            <a:hlinkClick r:id="rId8"/>
+            <a:extLst>
+              <a:ext uri="{FF2B5EF4-FFF2-40B4-BE49-F238E27FC236}">
+                <a16:creationId xmlns:a16="http://schemas.microsoft.com/office/drawing/2014/main" id="{B3456668-CE5B-4773-9900-90CEA2C73288}"/>
+              </a:ext>
+            </a:extLst>
+          </p:cNvPr>
+          <p:cNvSpPr txBox="1"/>
+          <p:nvPr/>
+        </p:nvSpPr>
+        <p:spPr>
+          <a:xfrm>
+            <a:off x="6544483" y="5751227"/>
+            <a:ext cx="2979112" cy="307777"/>
+          </a:xfrm>
+          <a:prstGeom prst="rect">
+            <a:avLst/>
+          </a:prstGeom>
+          <a:noFill/>
+        </p:spPr>
+        <p:txBody>
+          <a:bodyPr wrap="square">
+            <a:spAutoFit/>
+          </a:bodyPr>
+          <a:lstStyle/>
+          <a:p>
+            <a:r>
+              <a:rPr lang="ko-KR" altLang="en-US" sz="1400" dirty="0">
+                <a:latin typeface="Yu Gothic" panose="020B0400000000000000" pitchFamily="34" charset="-128"/>
+              </a:rPr>
+              <a:t>https://youtu.be/jvK-aYOfkb4</a:t>
+            </a:r>
+          </a:p>
+        </p:txBody>
+      </p:sp>
+      <p:sp>
+        <p:nvSpPr>
+          <p:cNvPr id="39" name="TextBox 38">
+            <a:hlinkClick r:id="rId9"/>
+            <a:extLst>
+              <a:ext uri="{FF2B5EF4-FFF2-40B4-BE49-F238E27FC236}">
+                <a16:creationId xmlns:a16="http://schemas.microsoft.com/office/drawing/2014/main" id="{2F653478-D777-49B7-BBB5-E05D2B6F2D75}"/>
+              </a:ext>
+            </a:extLst>
+          </p:cNvPr>
+          <p:cNvSpPr txBox="1"/>
+          <p:nvPr/>
+        </p:nvSpPr>
+        <p:spPr>
+          <a:xfrm>
+            <a:off x="6576661" y="3702233"/>
+            <a:ext cx="2987915" cy="307777"/>
+          </a:xfrm>
+          <a:prstGeom prst="rect">
+            <a:avLst/>
+          </a:prstGeom>
+          <a:noFill/>
+        </p:spPr>
+        <p:txBody>
+          <a:bodyPr wrap="square">
+            <a:spAutoFit/>
+          </a:bodyPr>
+          <a:lstStyle/>
+          <a:p>
+            <a:r>
+              <a:rPr lang="en-US" altLang="ko-KR" sz="1400" dirty="0">
+                <a:latin typeface="Yu Gothic" panose="020B0400000000000000" pitchFamily="34" charset="-128"/>
+              </a:rPr>
+              <a:t>https://youtu.be/rmUNelVH5H4</a:t>
+            </a:r>
+            <a:endParaRPr lang="ko-KR" altLang="en-US" sz="1400" dirty="0">
+              <a:latin typeface="Yu Gothic" panose="020B0400000000000000" pitchFamily="34" charset="-128"/>
+            </a:endParaRPr>
+          </a:p>
+        </p:txBody>
+      </p:sp>
+      <p:sp>
+        <p:nvSpPr>
+          <p:cNvPr id="41" name="TextBox 40">
+            <a:hlinkClick r:id="rId10"/>
+            <a:extLst>
+              <a:ext uri="{FF2B5EF4-FFF2-40B4-BE49-F238E27FC236}">
+                <a16:creationId xmlns:a16="http://schemas.microsoft.com/office/drawing/2014/main" id="{75CD1FAA-AC06-4E45-AFD6-CEA01F9B03DA}"/>
+              </a:ext>
+            </a:extLst>
+          </p:cNvPr>
+          <p:cNvSpPr txBox="1"/>
+          <p:nvPr/>
+        </p:nvSpPr>
+        <p:spPr>
+          <a:xfrm>
+            <a:off x="1767271" y="3694918"/>
+            <a:ext cx="3276216" cy="307777"/>
+          </a:xfrm>
+          <a:prstGeom prst="rect">
+            <a:avLst/>
+          </a:prstGeom>
+          <a:noFill/>
+        </p:spPr>
+        <p:txBody>
+          <a:bodyPr wrap="square">
+            <a:spAutoFit/>
+          </a:bodyPr>
+          <a:lstStyle/>
+          <a:p>
+            <a:r>
+              <a:rPr lang="ko-KR" altLang="en-US" sz="1400" dirty="0">
+                <a:latin typeface="Yu Gothic" panose="020B0400000000000000" pitchFamily="34" charset="-128"/>
+              </a:rPr>
+              <a:t>https://youtu.be/iHQSwNCGowo</a:t>
+            </a:r>
+          </a:p>
+        </p:txBody>
+      </p:sp>
+      <p:sp>
+        <p:nvSpPr>
+          <p:cNvPr id="45" name="TextBox 44">
+            <a:hlinkClick r:id="rId11"/>
+            <a:extLst>
+              <a:ext uri="{FF2B5EF4-FFF2-40B4-BE49-F238E27FC236}">
+                <a16:creationId xmlns:a16="http://schemas.microsoft.com/office/drawing/2014/main" id="{5E13F664-2152-4C66-B4A4-AEC9C922175C}"/>
+              </a:ext>
+            </a:extLst>
+          </p:cNvPr>
+          <p:cNvSpPr txBox="1"/>
+          <p:nvPr/>
+        </p:nvSpPr>
+        <p:spPr>
+          <a:xfrm>
+            <a:off x="1767271" y="5751226"/>
+            <a:ext cx="3372316" cy="307777"/>
+          </a:xfrm>
+          <a:prstGeom prst="rect">
+            <a:avLst/>
+          </a:prstGeom>
+          <a:noFill/>
+        </p:spPr>
+        <p:txBody>
+          <a:bodyPr wrap="square">
+            <a:spAutoFit/>
+          </a:bodyPr>
+          <a:lstStyle/>
+          <a:p>
+            <a:r>
+              <a:rPr lang="ko-KR" altLang="en-US" sz="1400" dirty="0">
+                <a:latin typeface="Yu Gothic" panose="020B0400000000000000" pitchFamily="34" charset="-128"/>
+              </a:rPr>
+              <a:t>https://youtu.be/q16nwMCge_0</a:t>
+            </a:r>
+          </a:p>
+        </p:txBody>
+      </p:sp>
     </p:spTree>
   </p:cSld>
   <p:clrMapOvr>
@@ -13968,8 +14215,8 @@
         </p:blipFill>
         <p:spPr>
           <a:xfrm>
-            <a:off x="4514934" y="2088943"/>
-            <a:ext cx="4606655" cy="857302"/>
+            <a:off x="4524458" y="2088943"/>
+            <a:ext cx="4603455" cy="906321"/>
           </a:xfrm>
           <a:prstGeom prst="rect">
             <a:avLst/>
@@ -14031,8 +14278,8 @@
         </p:blipFill>
         <p:spPr>
           <a:xfrm>
-            <a:off x="4661582" y="3275629"/>
-            <a:ext cx="4526215" cy="386063"/>
+            <a:off x="4775868" y="3275629"/>
+            <a:ext cx="4910930" cy="387987"/>
           </a:xfrm>
           <a:prstGeom prst="rect">
             <a:avLst/>
@@ -14182,7 +14429,7 @@
         <p:spPr>
           <a:xfrm>
             <a:off x="4594915" y="5780829"/>
-            <a:ext cx="4553998" cy="857302"/>
+            <a:ext cx="5678283" cy="857302"/>
           </a:xfrm>
           <a:prstGeom prst="rect">
             <a:avLst/>
@@ -14238,8 +14485,8 @@
         </p:blipFill>
         <p:spPr>
           <a:xfrm>
-            <a:off x="2910779" y="2344709"/>
-            <a:ext cx="5027573" cy="1636411"/>
+            <a:off x="2910783" y="2344707"/>
+            <a:ext cx="5141945" cy="1643764"/>
           </a:xfrm>
           <a:prstGeom prst="rect">
             <a:avLst/>
@@ -14697,8 +14944,8 @@
         </p:blipFill>
         <p:spPr>
           <a:xfrm>
-            <a:off x="6211553" y="3585505"/>
-            <a:ext cx="3996093" cy="488893"/>
+            <a:off x="6240124" y="3585505"/>
+            <a:ext cx="3996093" cy="498417"/>
           </a:xfrm>
           <a:prstGeom prst="rect">
             <a:avLst/>
@@ -15147,8 +15394,8 @@
         </p:blipFill>
         <p:spPr>
           <a:xfrm>
-            <a:off x="6236782" y="2705210"/>
-            <a:ext cx="3459626" cy="732683"/>
+            <a:off x="6246305" y="2705210"/>
+            <a:ext cx="3454550" cy="794941"/>
           </a:xfrm>
           <a:prstGeom prst="rect">
             <a:avLst/>
@@ -16704,8 +16951,8 @@
         </p:blipFill>
         <p:spPr>
           <a:xfrm>
-            <a:off x="1223667" y="2572296"/>
-            <a:ext cx="3428093" cy="354283"/>
+            <a:off x="1183839" y="2564249"/>
+            <a:ext cx="5220435" cy="351331"/>
           </a:xfrm>
           <a:prstGeom prst="rect">
             <a:avLst/>
@@ -16728,8 +16975,8 @@
         </p:blipFill>
         <p:spPr>
           <a:xfrm>
-            <a:off x="1114160" y="2068780"/>
-            <a:ext cx="5712931" cy="322407"/>
+            <a:off x="1114163" y="2068782"/>
+            <a:ext cx="7024216" cy="324940"/>
           </a:xfrm>
           <a:prstGeom prst="rect">
             <a:avLst/>
@@ -16791,8 +17038,8 @@
         </p:blipFill>
         <p:spPr>
           <a:xfrm>
-            <a:off x="1123686" y="4188658"/>
-            <a:ext cx="4237807" cy="322407"/>
+            <a:off x="1057020" y="4188658"/>
+            <a:ext cx="4627864" cy="324940"/>
           </a:xfrm>
           <a:prstGeom prst="rect">
             <a:avLst/>
@@ -16854,8 +17101,8 @@
         </p:blipFill>
         <p:spPr>
           <a:xfrm>
-            <a:off x="1124572" y="4540448"/>
-            <a:ext cx="3203969" cy="341454"/>
+            <a:off x="1019810" y="4540448"/>
+            <a:ext cx="4182683" cy="343988"/>
           </a:xfrm>
           <a:prstGeom prst="rect">
             <a:avLst/>
@@ -16878,8 +17125,8 @@
         </p:blipFill>
         <p:spPr>
           <a:xfrm>
-            <a:off x="1171563" y="4921401"/>
-            <a:ext cx="5252388" cy="341454"/>
+            <a:off x="1191296" y="4921401"/>
+            <a:ext cx="7143074" cy="343988"/>
           </a:xfrm>
           <a:prstGeom prst="rect">
             <a:avLst/>
@@ -16981,7 +17228,7 @@
         <p:spPr>
           <a:xfrm>
             <a:off x="1143620" y="6191420"/>
-            <a:ext cx="5880826" cy="320816"/>
+            <a:ext cx="6721521" cy="324940"/>
           </a:xfrm>
           <a:prstGeom prst="rect">
             <a:avLst/>
@@ -17043,8 +17290,8 @@
         </p:blipFill>
         <p:spPr>
           <a:xfrm>
-            <a:off x="1202886" y="6596344"/>
-            <a:ext cx="7762350" cy="569597"/>
+            <a:off x="1240982" y="6596344"/>
+            <a:ext cx="7801407" cy="604731"/>
           </a:xfrm>
           <a:prstGeom prst="rect">
             <a:avLst/>
@@ -17550,8 +17797,8 @@
         </p:blipFill>
         <p:spPr>
           <a:xfrm>
-            <a:off x="1554924" y="6243705"/>
-            <a:ext cx="7039569" cy="604731"/>
+            <a:off x="1545401" y="6243705"/>
+            <a:ext cx="7044950" cy="573864"/>
           </a:xfrm>
           <a:prstGeom prst="rect">
             <a:avLst/>
@@ -17574,8 +17821,8 @@
         </p:blipFill>
         <p:spPr>
           <a:xfrm>
-            <a:off x="1508372" y="6872039"/>
-            <a:ext cx="6791045" cy="573864"/>
+            <a:off x="1527420" y="6872039"/>
+            <a:ext cx="6771997" cy="573864"/>
           </a:xfrm>
           <a:prstGeom prst="rect">
             <a:avLst/>
